--- a/Assignment_6/DAA ASSIGN-06.pptx
+++ b/Assignment_6/DAA ASSIGN-06.pptx
@@ -21,44 +21,45 @@
     <p:sldId id="266" r:id="rId16"/>
     <p:sldId id="267" r:id="rId17"/>
     <p:sldId id="268" r:id="rId18"/>
+    <p:sldId id="269" r:id="rId19"/>
   </p:sldIdLst>
   <p:sldSz cy="5143500" cx="9144000"/>
   <p:notesSz cx="6858000" cy="9144000"/>
   <p:embeddedFontLst>
     <p:embeddedFont>
       <p:font typeface="Raleway"/>
-      <p:regular r:id="rId19"/>
-      <p:bold r:id="rId20"/>
-      <p:italic r:id="rId21"/>
-      <p:boldItalic r:id="rId22"/>
+      <p:regular r:id="rId20"/>
+      <p:bold r:id="rId21"/>
+      <p:italic r:id="rId22"/>
+      <p:boldItalic r:id="rId23"/>
     </p:embeddedFont>
     <p:embeddedFont>
       <p:font typeface="Lato"/>
-      <p:regular r:id="rId23"/>
-      <p:bold r:id="rId24"/>
-      <p:italic r:id="rId25"/>
-      <p:boldItalic r:id="rId26"/>
+      <p:regular r:id="rId24"/>
+      <p:bold r:id="rId25"/>
+      <p:italic r:id="rId26"/>
+      <p:boldItalic r:id="rId27"/>
     </p:embeddedFont>
     <p:embeddedFont>
       <p:font typeface="Montserrat"/>
-      <p:regular r:id="rId27"/>
-      <p:bold r:id="rId28"/>
-      <p:italic r:id="rId29"/>
-      <p:boldItalic r:id="rId30"/>
+      <p:regular r:id="rId28"/>
+      <p:bold r:id="rId29"/>
+      <p:italic r:id="rId30"/>
+      <p:boldItalic r:id="rId31"/>
     </p:embeddedFont>
     <p:embeddedFont>
       <p:font typeface="Lora"/>
-      <p:regular r:id="rId31"/>
-      <p:bold r:id="rId32"/>
-      <p:italic r:id="rId33"/>
-      <p:boldItalic r:id="rId34"/>
+      <p:regular r:id="rId32"/>
+      <p:bold r:id="rId33"/>
+      <p:italic r:id="rId34"/>
+      <p:boldItalic r:id="rId35"/>
     </p:embeddedFont>
     <p:embeddedFont>
       <p:font typeface="Lora Regular"/>
-      <p:regular r:id="rId35"/>
-      <p:bold r:id="rId36"/>
-      <p:italic r:id="rId37"/>
-      <p:boldItalic r:id="rId38"/>
+      <p:regular r:id="rId36"/>
+      <p:bold r:id="rId37"/>
+      <p:italic r:id="rId38"/>
+      <p:boldItalic r:id="rId39"/>
     </p:embeddedFont>
   </p:embeddedFontLst>
   <p:defaultTextStyle>
@@ -839,7 +840,7 @@
   <p:cSld>
     <p:spTree>
       <p:nvGrpSpPr>
-        <p:cNvPr id="141" name="Shape 141"/>
+        <p:cNvPr id="142" name="Shape 142"/>
         <p:cNvGrpSpPr/>
         <p:nvPr/>
       </p:nvGrpSpPr>
@@ -853,7 +854,7 @@
       </p:grpSpPr>
       <p:sp>
         <p:nvSpPr>
-          <p:cNvPr id="142" name="Google Shape;142;gd2828a9a5d_0_44:notes"/>
+          <p:cNvPr id="143" name="Google Shape;143;gd2828a9a5d_0_33:notes"/>
           <p:cNvSpPr/>
           <p:nvPr>
             <p:ph idx="2" type="sldImg"/>
@@ -888,7 +889,7 @@
       </p:sp>
       <p:sp>
         <p:nvSpPr>
-          <p:cNvPr id="143" name="Google Shape;143;gd2828a9a5d_0_44:notes"/>
+          <p:cNvPr id="144" name="Google Shape;144;gd2828a9a5d_0_33:notes"/>
           <p:cNvSpPr txBox="1"/>
           <p:nvPr>
             <p:ph idx="1" type="body"/>
@@ -938,7 +939,7 @@
   <p:cSld>
     <p:spTree>
       <p:nvGrpSpPr>
-        <p:cNvPr id="147" name="Shape 147"/>
+        <p:cNvPr id="148" name="Shape 148"/>
         <p:cNvGrpSpPr/>
         <p:nvPr/>
       </p:nvGrpSpPr>
@@ -952,7 +953,7 @@
       </p:grpSpPr>
       <p:sp>
         <p:nvSpPr>
-          <p:cNvPr id="148" name="Google Shape;148;gd2828a9a5d_0_49:notes"/>
+          <p:cNvPr id="149" name="Google Shape;149;gd2828a9a5d_0_44:notes"/>
           <p:cNvSpPr/>
           <p:nvPr>
             <p:ph idx="2" type="sldImg"/>
@@ -987,7 +988,7 @@
       </p:sp>
       <p:sp>
         <p:nvSpPr>
-          <p:cNvPr id="149" name="Google Shape;149;gd2828a9a5d_0_49:notes"/>
+          <p:cNvPr id="150" name="Google Shape;150;gd2828a9a5d_0_44:notes"/>
           <p:cNvSpPr txBox="1"/>
           <p:nvPr>
             <p:ph idx="1" type="body"/>
@@ -1037,7 +1038,7 @@
   <p:cSld>
     <p:spTree>
       <p:nvGrpSpPr>
-        <p:cNvPr id="155" name="Shape 155"/>
+        <p:cNvPr id="154" name="Shape 154"/>
         <p:cNvGrpSpPr/>
         <p:nvPr/>
       </p:nvGrpSpPr>
@@ -1051,7 +1052,7 @@
       </p:grpSpPr>
       <p:sp>
         <p:nvSpPr>
-          <p:cNvPr id="156" name="Google Shape;156;gd2828a9a5d_0_56:notes"/>
+          <p:cNvPr id="155" name="Google Shape;155;gd2828a9a5d_0_49:notes"/>
           <p:cNvSpPr/>
           <p:nvPr>
             <p:ph idx="2" type="sldImg"/>
@@ -1086,7 +1087,7 @@
       </p:sp>
       <p:sp>
         <p:nvSpPr>
-          <p:cNvPr id="157" name="Google Shape;157;gd2828a9a5d_0_56:notes"/>
+          <p:cNvPr id="156" name="Google Shape;156;gd2828a9a5d_0_49:notes"/>
           <p:cNvSpPr txBox="1"/>
           <p:nvPr>
             <p:ph idx="1" type="body"/>
@@ -1136,7 +1137,7 @@
   <p:cSld>
     <p:spTree>
       <p:nvGrpSpPr>
-        <p:cNvPr id="161" name="Shape 161"/>
+        <p:cNvPr id="162" name="Shape 162"/>
         <p:cNvGrpSpPr/>
         <p:nvPr/>
       </p:nvGrpSpPr>
@@ -1150,7 +1151,7 @@
       </p:grpSpPr>
       <p:sp>
         <p:nvSpPr>
-          <p:cNvPr id="162" name="Google Shape;162;gd0c872aa06_0_337:notes"/>
+          <p:cNvPr id="163" name="Google Shape;163;gd2828a9a5d_0_56:notes"/>
           <p:cNvSpPr/>
           <p:nvPr>
             <p:ph idx="2" type="sldImg"/>
@@ -1185,7 +1186,7 @@
       </p:sp>
       <p:sp>
         <p:nvSpPr>
-          <p:cNvPr id="163" name="Google Shape;163;gd0c872aa06_0_337:notes"/>
+          <p:cNvPr id="164" name="Google Shape;164;gd2828a9a5d_0_56:notes"/>
           <p:cNvSpPr txBox="1"/>
           <p:nvPr>
             <p:ph idx="1" type="body"/>
@@ -1230,12 +1231,12 @@
 </p:notes>
 </file>
 
-<file path=ppt/notesSlides/notesSlide2.xml><?xml version="1.0" encoding="utf-8"?>
+<file path=ppt/notesSlides/notesSlide14.xml><?xml version="1.0" encoding="utf-8"?>
 <p:notes xmlns:a="http://schemas.openxmlformats.org/drawingml/2006/main" xmlns:r="http://schemas.openxmlformats.org/officeDocument/2006/relationships" xmlns:mc="http://schemas.openxmlformats.org/markup-compatibility/2006" xmlns:mv="urn:schemas-microsoft-com:mac:vml" xmlns:p="http://schemas.openxmlformats.org/presentationml/2006/main" xmlns:c="http://schemas.openxmlformats.org/drawingml/2006/chart" xmlns:dgm="http://schemas.openxmlformats.org/drawingml/2006/diagram" xmlns:o="urn:schemas-microsoft-com:office:office" xmlns:v="urn:schemas-microsoft-com:vml" xmlns:pvml="urn:schemas-microsoft-com:office:powerpoint" xmlns:com="http://schemas.openxmlformats.org/drawingml/2006/compatibility" xmlns:p14="http://schemas.microsoft.com/office/powerpoint/2010/main" xmlns:p15="http://schemas.microsoft.com/office/powerpoint/2012/main" xmlns:ahyp="http://schemas.microsoft.com/office/drawing/2018/hyperlinkcolor" showMasterPhAnim="0" showMasterSp="0">
   <p:cSld>
     <p:spTree>
       <p:nvGrpSpPr>
-        <p:cNvPr id="87" name="Shape 87"/>
+        <p:cNvPr id="168" name="Shape 168"/>
         <p:cNvGrpSpPr/>
         <p:nvPr/>
       </p:nvGrpSpPr>
@@ -1249,7 +1250,7 @@
       </p:grpSpPr>
       <p:sp>
         <p:nvSpPr>
-          <p:cNvPr id="88" name="Google Shape;88;gd0c872aa06_0_7:notes"/>
+          <p:cNvPr id="169" name="Google Shape;169;gd0c872aa06_0_337:notes"/>
           <p:cNvSpPr/>
           <p:nvPr>
             <p:ph idx="2" type="sldImg"/>
@@ -1284,7 +1285,7 @@
       </p:sp>
       <p:sp>
         <p:nvSpPr>
-          <p:cNvPr id="89" name="Google Shape;89;gd0c872aa06_0_7:notes"/>
+          <p:cNvPr id="170" name="Google Shape;170;gd0c872aa06_0_337:notes"/>
           <p:cNvSpPr txBox="1"/>
           <p:nvPr>
             <p:ph idx="1" type="body"/>
@@ -1329,12 +1330,12 @@
 </p:notes>
 </file>
 
-<file path=ppt/notesSlides/notesSlide3.xml><?xml version="1.0" encoding="utf-8"?>
+<file path=ppt/notesSlides/notesSlide2.xml><?xml version="1.0" encoding="utf-8"?>
 <p:notes xmlns:a="http://schemas.openxmlformats.org/drawingml/2006/main" xmlns:r="http://schemas.openxmlformats.org/officeDocument/2006/relationships" xmlns:mc="http://schemas.openxmlformats.org/markup-compatibility/2006" xmlns:mv="urn:schemas-microsoft-com:mac:vml" xmlns:p="http://schemas.openxmlformats.org/presentationml/2006/main" xmlns:c="http://schemas.openxmlformats.org/drawingml/2006/chart" xmlns:dgm="http://schemas.openxmlformats.org/drawingml/2006/diagram" xmlns:o="urn:schemas-microsoft-com:office:office" xmlns:v="urn:schemas-microsoft-com:vml" xmlns:pvml="urn:schemas-microsoft-com:office:powerpoint" xmlns:com="http://schemas.openxmlformats.org/drawingml/2006/compatibility" xmlns:p14="http://schemas.microsoft.com/office/powerpoint/2010/main" xmlns:p15="http://schemas.microsoft.com/office/powerpoint/2012/main" xmlns:ahyp="http://schemas.microsoft.com/office/drawing/2018/hyperlinkcolor" showMasterPhAnim="0" showMasterSp="0">
   <p:cSld>
     <p:spTree>
       <p:nvGrpSpPr>
-        <p:cNvPr id="93" name="Shape 93"/>
+        <p:cNvPr id="87" name="Shape 87"/>
         <p:cNvGrpSpPr/>
         <p:nvPr/>
       </p:nvGrpSpPr>
@@ -1348,7 +1349,7 @@
       </p:grpSpPr>
       <p:sp>
         <p:nvSpPr>
-          <p:cNvPr id="94" name="Google Shape;94;gd0c872aa06_0_30:notes"/>
+          <p:cNvPr id="88" name="Google Shape;88;gd2828a9a5d_0_71:notes"/>
           <p:cNvSpPr/>
           <p:nvPr>
             <p:ph idx="2" type="sldImg"/>
@@ -1383,7 +1384,7 @@
       </p:sp>
       <p:sp>
         <p:nvSpPr>
-          <p:cNvPr id="95" name="Google Shape;95;gd0c872aa06_0_30:notes"/>
+          <p:cNvPr id="89" name="Google Shape;89;gd2828a9a5d_0_71:notes"/>
           <p:cNvSpPr txBox="1"/>
           <p:nvPr>
             <p:ph idx="1" type="body"/>
@@ -1428,12 +1429,12 @@
 </p:notes>
 </file>
 
-<file path=ppt/notesSlides/notesSlide4.xml><?xml version="1.0" encoding="utf-8"?>
+<file path=ppt/notesSlides/notesSlide3.xml><?xml version="1.0" encoding="utf-8"?>
 <p:notes xmlns:a="http://schemas.openxmlformats.org/drawingml/2006/main" xmlns:r="http://schemas.openxmlformats.org/officeDocument/2006/relationships" xmlns:mc="http://schemas.openxmlformats.org/markup-compatibility/2006" xmlns:mv="urn:schemas-microsoft-com:mac:vml" xmlns:p="http://schemas.openxmlformats.org/presentationml/2006/main" xmlns:c="http://schemas.openxmlformats.org/drawingml/2006/chart" xmlns:dgm="http://schemas.openxmlformats.org/drawingml/2006/diagram" xmlns:o="urn:schemas-microsoft-com:office:office" xmlns:v="urn:schemas-microsoft-com:vml" xmlns:pvml="urn:schemas-microsoft-com:office:powerpoint" xmlns:com="http://schemas.openxmlformats.org/drawingml/2006/compatibility" xmlns:p14="http://schemas.microsoft.com/office/powerpoint/2010/main" xmlns:p15="http://schemas.microsoft.com/office/powerpoint/2012/main" xmlns:ahyp="http://schemas.microsoft.com/office/drawing/2018/hyperlinkcolor" showMasterPhAnim="0" showMasterSp="0">
   <p:cSld>
     <p:spTree>
       <p:nvGrpSpPr>
-        <p:cNvPr id="100" name="Shape 100"/>
+        <p:cNvPr id="94" name="Shape 94"/>
         <p:cNvGrpSpPr/>
         <p:nvPr/>
       </p:nvGrpSpPr>
@@ -1447,7 +1448,7 @@
       </p:grpSpPr>
       <p:sp>
         <p:nvSpPr>
-          <p:cNvPr id="101" name="Google Shape;101;gd0c872aa06_1_0:notes"/>
+          <p:cNvPr id="95" name="Google Shape;95;gd0c872aa06_0_7:notes"/>
           <p:cNvSpPr/>
           <p:nvPr>
             <p:ph idx="2" type="sldImg"/>
@@ -1482,7 +1483,7 @@
       </p:sp>
       <p:sp>
         <p:nvSpPr>
-          <p:cNvPr id="102" name="Google Shape;102;gd0c872aa06_1_0:notes"/>
+          <p:cNvPr id="96" name="Google Shape;96;gd0c872aa06_0_7:notes"/>
           <p:cNvSpPr txBox="1"/>
           <p:nvPr>
             <p:ph idx="1" type="body"/>
@@ -1527,12 +1528,12 @@
 </p:notes>
 </file>
 
-<file path=ppt/notesSlides/notesSlide5.xml><?xml version="1.0" encoding="utf-8"?>
+<file path=ppt/notesSlides/notesSlide4.xml><?xml version="1.0" encoding="utf-8"?>
 <p:notes xmlns:a="http://schemas.openxmlformats.org/drawingml/2006/main" xmlns:r="http://schemas.openxmlformats.org/officeDocument/2006/relationships" xmlns:mc="http://schemas.openxmlformats.org/markup-compatibility/2006" xmlns:mv="urn:schemas-microsoft-com:mac:vml" xmlns:p="http://schemas.openxmlformats.org/presentationml/2006/main" xmlns:c="http://schemas.openxmlformats.org/drawingml/2006/chart" xmlns:dgm="http://schemas.openxmlformats.org/drawingml/2006/diagram" xmlns:o="urn:schemas-microsoft-com:office:office" xmlns:v="urn:schemas-microsoft-com:vml" xmlns:pvml="urn:schemas-microsoft-com:office:powerpoint" xmlns:com="http://schemas.openxmlformats.org/drawingml/2006/compatibility" xmlns:p14="http://schemas.microsoft.com/office/powerpoint/2010/main" xmlns:p15="http://schemas.microsoft.com/office/powerpoint/2012/main" xmlns:ahyp="http://schemas.microsoft.com/office/drawing/2018/hyperlinkcolor" showMasterPhAnim="0" showMasterSp="0">
   <p:cSld>
     <p:spTree>
       <p:nvGrpSpPr>
-        <p:cNvPr id="106" name="Shape 106"/>
+        <p:cNvPr id="100" name="Shape 100"/>
         <p:cNvGrpSpPr/>
         <p:nvPr/>
       </p:nvGrpSpPr>
@@ -1546,7 +1547,7 @@
       </p:grpSpPr>
       <p:sp>
         <p:nvSpPr>
-          <p:cNvPr id="107" name="Google Shape;107;gd2828a9a5d_0_10:notes"/>
+          <p:cNvPr id="101" name="Google Shape;101;gd0c872aa06_0_30:notes"/>
           <p:cNvSpPr/>
           <p:nvPr>
             <p:ph idx="2" type="sldImg"/>
@@ -1581,7 +1582,7 @@
       </p:sp>
       <p:sp>
         <p:nvSpPr>
-          <p:cNvPr id="108" name="Google Shape;108;gd2828a9a5d_0_10:notes"/>
+          <p:cNvPr id="102" name="Google Shape;102;gd0c872aa06_0_30:notes"/>
           <p:cNvSpPr txBox="1"/>
           <p:nvPr>
             <p:ph idx="1" type="body"/>
@@ -1626,12 +1627,12 @@
 </p:notes>
 </file>
 
-<file path=ppt/notesSlides/notesSlide6.xml><?xml version="1.0" encoding="utf-8"?>
+<file path=ppt/notesSlides/notesSlide5.xml><?xml version="1.0" encoding="utf-8"?>
 <p:notes xmlns:a="http://schemas.openxmlformats.org/drawingml/2006/main" xmlns:r="http://schemas.openxmlformats.org/officeDocument/2006/relationships" xmlns:mc="http://schemas.openxmlformats.org/markup-compatibility/2006" xmlns:mv="urn:schemas-microsoft-com:mac:vml" xmlns:p="http://schemas.openxmlformats.org/presentationml/2006/main" xmlns:c="http://schemas.openxmlformats.org/drawingml/2006/chart" xmlns:dgm="http://schemas.openxmlformats.org/drawingml/2006/diagram" xmlns:o="urn:schemas-microsoft-com:office:office" xmlns:v="urn:schemas-microsoft-com:vml" xmlns:pvml="urn:schemas-microsoft-com:office:powerpoint" xmlns:com="http://schemas.openxmlformats.org/drawingml/2006/compatibility" xmlns:p14="http://schemas.microsoft.com/office/powerpoint/2010/main" xmlns:p15="http://schemas.microsoft.com/office/powerpoint/2012/main" xmlns:ahyp="http://schemas.microsoft.com/office/drawing/2018/hyperlinkcolor" showMasterPhAnim="0" showMasterSp="0">
   <p:cSld>
     <p:spTree>
       <p:nvGrpSpPr>
-        <p:cNvPr id="113" name="Shape 113"/>
+        <p:cNvPr id="107" name="Shape 107"/>
         <p:cNvGrpSpPr/>
         <p:nvPr/>
       </p:nvGrpSpPr>
@@ -1645,7 +1646,7 @@
       </p:grpSpPr>
       <p:sp>
         <p:nvSpPr>
-          <p:cNvPr id="114" name="Google Shape;114;gd2828a9a5d_0_15:notes"/>
+          <p:cNvPr id="108" name="Google Shape;108;gd0c872aa06_1_0:notes"/>
           <p:cNvSpPr/>
           <p:nvPr>
             <p:ph idx="2" type="sldImg"/>
@@ -1680,7 +1681,7 @@
       </p:sp>
       <p:sp>
         <p:nvSpPr>
-          <p:cNvPr id="115" name="Google Shape;115;gd2828a9a5d_0_15:notes"/>
+          <p:cNvPr id="109" name="Google Shape;109;gd0c872aa06_1_0:notes"/>
           <p:cNvSpPr txBox="1"/>
           <p:nvPr>
             <p:ph idx="1" type="body"/>
@@ -1725,12 +1726,12 @@
 </p:notes>
 </file>
 
-<file path=ppt/notesSlides/notesSlide7.xml><?xml version="1.0" encoding="utf-8"?>
+<file path=ppt/notesSlides/notesSlide6.xml><?xml version="1.0" encoding="utf-8"?>
 <p:notes xmlns:a="http://schemas.openxmlformats.org/drawingml/2006/main" xmlns:r="http://schemas.openxmlformats.org/officeDocument/2006/relationships" xmlns:mc="http://schemas.openxmlformats.org/markup-compatibility/2006" xmlns:mv="urn:schemas-microsoft-com:mac:vml" xmlns:p="http://schemas.openxmlformats.org/presentationml/2006/main" xmlns:c="http://schemas.openxmlformats.org/drawingml/2006/chart" xmlns:dgm="http://schemas.openxmlformats.org/drawingml/2006/diagram" xmlns:o="urn:schemas-microsoft-com:office:office" xmlns:v="urn:schemas-microsoft-com:vml" xmlns:pvml="urn:schemas-microsoft-com:office:powerpoint" xmlns:com="http://schemas.openxmlformats.org/drawingml/2006/compatibility" xmlns:p14="http://schemas.microsoft.com/office/powerpoint/2010/main" xmlns:p15="http://schemas.microsoft.com/office/powerpoint/2012/main" xmlns:ahyp="http://schemas.microsoft.com/office/drawing/2018/hyperlinkcolor" showMasterPhAnim="0" showMasterSp="0">
   <p:cSld>
     <p:spTree>
       <p:nvGrpSpPr>
-        <p:cNvPr id="119" name="Shape 119"/>
+        <p:cNvPr id="113" name="Shape 113"/>
         <p:cNvGrpSpPr/>
         <p:nvPr/>
       </p:nvGrpSpPr>
@@ -1744,7 +1745,7 @@
       </p:grpSpPr>
       <p:sp>
         <p:nvSpPr>
-          <p:cNvPr id="120" name="Google Shape;120;gd2828a9a5d_0_22:notes"/>
+          <p:cNvPr id="114" name="Google Shape;114;gd2828a9a5d_0_10:notes"/>
           <p:cNvSpPr/>
           <p:nvPr>
             <p:ph idx="2" type="sldImg"/>
@@ -1779,7 +1780,7 @@
       </p:sp>
       <p:sp>
         <p:nvSpPr>
-          <p:cNvPr id="121" name="Google Shape;121;gd2828a9a5d_0_22:notes"/>
+          <p:cNvPr id="115" name="Google Shape;115;gd2828a9a5d_0_10:notes"/>
           <p:cNvSpPr txBox="1"/>
           <p:nvPr>
             <p:ph idx="1" type="body"/>
@@ -1824,12 +1825,12 @@
 </p:notes>
 </file>
 
-<file path=ppt/notesSlides/notesSlide8.xml><?xml version="1.0" encoding="utf-8"?>
+<file path=ppt/notesSlides/notesSlide7.xml><?xml version="1.0" encoding="utf-8"?>
 <p:notes xmlns:a="http://schemas.openxmlformats.org/drawingml/2006/main" xmlns:r="http://schemas.openxmlformats.org/officeDocument/2006/relationships" xmlns:mc="http://schemas.openxmlformats.org/markup-compatibility/2006" xmlns:mv="urn:schemas-microsoft-com:mac:vml" xmlns:p="http://schemas.openxmlformats.org/presentationml/2006/main" xmlns:c="http://schemas.openxmlformats.org/drawingml/2006/chart" xmlns:dgm="http://schemas.openxmlformats.org/drawingml/2006/diagram" xmlns:o="urn:schemas-microsoft-com:office:office" xmlns:v="urn:schemas-microsoft-com:vml" xmlns:pvml="urn:schemas-microsoft-com:office:powerpoint" xmlns:com="http://schemas.openxmlformats.org/drawingml/2006/compatibility" xmlns:p14="http://schemas.microsoft.com/office/powerpoint/2010/main" xmlns:p15="http://schemas.microsoft.com/office/powerpoint/2012/main" xmlns:ahyp="http://schemas.microsoft.com/office/drawing/2018/hyperlinkcolor" showMasterPhAnim="0" showMasterSp="0">
   <p:cSld>
     <p:spTree>
       <p:nvGrpSpPr>
-        <p:cNvPr id="125" name="Shape 125"/>
+        <p:cNvPr id="120" name="Shape 120"/>
         <p:cNvGrpSpPr/>
         <p:nvPr/>
       </p:nvGrpSpPr>
@@ -1843,7 +1844,7 @@
       </p:grpSpPr>
       <p:sp>
         <p:nvSpPr>
-          <p:cNvPr id="126" name="Google Shape;126;gd2828a9a5d_0_27:notes"/>
+          <p:cNvPr id="121" name="Google Shape;121;gd2828a9a5d_0_15:notes"/>
           <p:cNvSpPr/>
           <p:nvPr>
             <p:ph idx="2" type="sldImg"/>
@@ -1878,7 +1879,7 @@
       </p:sp>
       <p:sp>
         <p:nvSpPr>
-          <p:cNvPr id="127" name="Google Shape;127;gd2828a9a5d_0_27:notes"/>
+          <p:cNvPr id="122" name="Google Shape;122;gd2828a9a5d_0_15:notes"/>
           <p:cNvSpPr txBox="1"/>
           <p:nvPr>
             <p:ph idx="1" type="body"/>
@@ -1923,12 +1924,12 @@
 </p:notes>
 </file>
 
-<file path=ppt/notesSlides/notesSlide9.xml><?xml version="1.0" encoding="utf-8"?>
+<file path=ppt/notesSlides/notesSlide8.xml><?xml version="1.0" encoding="utf-8"?>
 <p:notes xmlns:a="http://schemas.openxmlformats.org/drawingml/2006/main" xmlns:r="http://schemas.openxmlformats.org/officeDocument/2006/relationships" xmlns:mc="http://schemas.openxmlformats.org/markup-compatibility/2006" xmlns:mv="urn:schemas-microsoft-com:mac:vml" xmlns:p="http://schemas.openxmlformats.org/presentationml/2006/main" xmlns:c="http://schemas.openxmlformats.org/drawingml/2006/chart" xmlns:dgm="http://schemas.openxmlformats.org/drawingml/2006/diagram" xmlns:o="urn:schemas-microsoft-com:office:office" xmlns:v="urn:schemas-microsoft-com:vml" xmlns:pvml="urn:schemas-microsoft-com:office:powerpoint" xmlns:com="http://schemas.openxmlformats.org/drawingml/2006/compatibility" xmlns:p14="http://schemas.microsoft.com/office/powerpoint/2010/main" xmlns:p15="http://schemas.microsoft.com/office/powerpoint/2012/main" xmlns:ahyp="http://schemas.microsoft.com/office/drawing/2018/hyperlinkcolor" showMasterPhAnim="0" showMasterSp="0">
   <p:cSld>
     <p:spTree>
       <p:nvGrpSpPr>
-        <p:cNvPr id="135" name="Shape 135"/>
+        <p:cNvPr id="126" name="Shape 126"/>
         <p:cNvGrpSpPr/>
         <p:nvPr/>
       </p:nvGrpSpPr>
@@ -1942,7 +1943,7 @@
       </p:grpSpPr>
       <p:sp>
         <p:nvSpPr>
-          <p:cNvPr id="136" name="Google Shape;136;gd2828a9a5d_0_33:notes"/>
+          <p:cNvPr id="127" name="Google Shape;127;gd2828a9a5d_0_22:notes"/>
           <p:cNvSpPr/>
           <p:nvPr>
             <p:ph idx="2" type="sldImg"/>
@@ -1977,7 +1978,106 @@
       </p:sp>
       <p:sp>
         <p:nvSpPr>
-          <p:cNvPr id="137" name="Google Shape;137;gd2828a9a5d_0_33:notes"/>
+          <p:cNvPr id="128" name="Google Shape;128;gd2828a9a5d_0_22:notes"/>
+          <p:cNvSpPr txBox="1"/>
+          <p:nvPr>
+            <p:ph idx="1" type="body"/>
+          </p:nvPr>
+        </p:nvSpPr>
+        <p:spPr>
+          <a:xfrm>
+            <a:off x="685800" y="4343400"/>
+            <a:ext cx="5486400" cy="4114800"/>
+          </a:xfrm>
+          <a:prstGeom prst="rect">
+            <a:avLst/>
+          </a:prstGeom>
+        </p:spPr>
+        <p:txBody>
+          <a:bodyPr anchorCtr="0" anchor="t" bIns="91425" lIns="91425" spcFirstLastPara="1" rIns="91425" wrap="square" tIns="91425">
+            <a:noAutofit/>
+          </a:bodyPr>
+          <a:lstStyle/>
+          <a:p>
+            <a:pPr indent="0" lvl="0" marL="0" rtl="0" algn="l">
+              <a:spcBef>
+                <a:spcPts val="0"/>
+              </a:spcBef>
+              <a:spcAft>
+                <a:spcPts val="0"/>
+              </a:spcAft>
+              <a:buNone/>
+            </a:pPr>
+            <a:r>
+              <a:t/>
+            </a:r>
+            <a:endParaRPr/>
+          </a:p>
+        </p:txBody>
+      </p:sp>
+    </p:spTree>
+  </p:cSld>
+  <p:clrMapOvr>
+    <a:masterClrMapping/>
+  </p:clrMapOvr>
+</p:notes>
+</file>
+
+<file path=ppt/notesSlides/notesSlide9.xml><?xml version="1.0" encoding="utf-8"?>
+<p:notes xmlns:a="http://schemas.openxmlformats.org/drawingml/2006/main" xmlns:r="http://schemas.openxmlformats.org/officeDocument/2006/relationships" xmlns:mc="http://schemas.openxmlformats.org/markup-compatibility/2006" xmlns:mv="urn:schemas-microsoft-com:mac:vml" xmlns:p="http://schemas.openxmlformats.org/presentationml/2006/main" xmlns:c="http://schemas.openxmlformats.org/drawingml/2006/chart" xmlns:dgm="http://schemas.openxmlformats.org/drawingml/2006/diagram" xmlns:o="urn:schemas-microsoft-com:office:office" xmlns:v="urn:schemas-microsoft-com:vml" xmlns:pvml="urn:schemas-microsoft-com:office:powerpoint" xmlns:com="http://schemas.openxmlformats.org/drawingml/2006/compatibility" xmlns:p14="http://schemas.microsoft.com/office/powerpoint/2010/main" xmlns:p15="http://schemas.microsoft.com/office/powerpoint/2012/main" xmlns:ahyp="http://schemas.microsoft.com/office/drawing/2018/hyperlinkcolor" showMasterPhAnim="0" showMasterSp="0">
+  <p:cSld>
+    <p:spTree>
+      <p:nvGrpSpPr>
+        <p:cNvPr id="132" name="Shape 132"/>
+        <p:cNvGrpSpPr/>
+        <p:nvPr/>
+      </p:nvGrpSpPr>
+      <p:grpSpPr>
+        <a:xfrm>
+          <a:off x="0" y="0"/>
+          <a:ext cx="0" cy="0"/>
+          <a:chOff x="0" y="0"/>
+          <a:chExt cx="0" cy="0"/>
+        </a:xfrm>
+      </p:grpSpPr>
+      <p:sp>
+        <p:nvSpPr>
+          <p:cNvPr id="133" name="Google Shape;133;gd2828a9a5d_0_27:notes"/>
+          <p:cNvSpPr/>
+          <p:nvPr>
+            <p:ph idx="2" type="sldImg"/>
+          </p:nvPr>
+        </p:nvSpPr>
+        <p:spPr>
+          <a:xfrm>
+            <a:off x="381300" y="685800"/>
+            <a:ext cx="6096000" cy="3429000"/>
+          </a:xfrm>
+          <a:custGeom>
+            <a:rect b="b" l="l" r="r" t="t"/>
+            <a:pathLst>
+              <a:path extrusionOk="0" h="120000" w="120000">
+                <a:moveTo>
+                  <a:pt x="0" y="0"/>
+                </a:moveTo>
+                <a:lnTo>
+                  <a:pt x="120000" y="0"/>
+                </a:lnTo>
+                <a:lnTo>
+                  <a:pt x="120000" y="120000"/>
+                </a:lnTo>
+                <a:lnTo>
+                  <a:pt x="0" y="120000"/>
+                </a:lnTo>
+                <a:close/>
+              </a:path>
+            </a:pathLst>
+          </a:custGeom>
+        </p:spPr>
+      </p:sp>
+      <p:sp>
+        <p:nvSpPr>
+          <p:cNvPr id="134" name="Google Shape;134;gd2828a9a5d_0_27:notes"/>
           <p:cNvSpPr txBox="1"/>
           <p:nvPr>
             <p:ph idx="1" type="body"/>
@@ -8875,7 +8975,7 @@
   <p:cSld>
     <p:spTree>
       <p:nvGrpSpPr>
-        <p:cNvPr id="144" name="Shape 144"/>
+        <p:cNvPr id="145" name="Shape 145"/>
         <p:cNvGrpSpPr/>
         <p:nvPr/>
       </p:nvGrpSpPr>
@@ -8889,7 +8989,373 @@
       </p:grpSpPr>
       <p:sp>
         <p:nvSpPr>
-          <p:cNvPr id="145" name="Google Shape;145;p22"/>
+          <p:cNvPr id="146" name="Google Shape;146;p22"/>
+          <p:cNvSpPr txBox="1"/>
+          <p:nvPr/>
+        </p:nvSpPr>
+        <p:spPr>
+          <a:xfrm>
+            <a:off x="3142475" y="976600"/>
+            <a:ext cx="4270500" cy="661800"/>
+          </a:xfrm>
+          <a:prstGeom prst="rect">
+            <a:avLst/>
+          </a:prstGeom>
+          <a:noFill/>
+          <a:ln>
+            <a:noFill/>
+          </a:ln>
+        </p:spPr>
+        <p:txBody>
+          <a:bodyPr anchorCtr="0" anchor="t" bIns="91425" lIns="91425" spcFirstLastPara="1" rIns="91425" wrap="square" tIns="91425">
+            <a:spAutoFit/>
+          </a:bodyPr>
+          <a:lstStyle/>
+          <a:p>
+            <a:pPr indent="0" lvl="0" marL="0" rtl="0" algn="l">
+              <a:spcBef>
+                <a:spcPts val="0"/>
+              </a:spcBef>
+              <a:spcAft>
+                <a:spcPts val="0"/>
+              </a:spcAft>
+              <a:buNone/>
+            </a:pPr>
+            <a:r>
+              <a:t/>
+            </a:r>
+            <a:endParaRPr b="1" sz="3100">
+              <a:latin typeface="Lato"/>
+              <a:ea typeface="Lato"/>
+              <a:cs typeface="Lato"/>
+              <a:sym typeface="Lato"/>
+            </a:endParaRPr>
+          </a:p>
+        </p:txBody>
+      </p:sp>
+      <p:sp>
+        <p:nvSpPr>
+          <p:cNvPr id="147" name="Google Shape;147;p22"/>
+          <p:cNvSpPr txBox="1"/>
+          <p:nvPr/>
+        </p:nvSpPr>
+        <p:spPr>
+          <a:xfrm>
+            <a:off x="684175" y="976600"/>
+            <a:ext cx="7883100" cy="3771000"/>
+          </a:xfrm>
+          <a:prstGeom prst="rect">
+            <a:avLst/>
+          </a:prstGeom>
+          <a:noFill/>
+          <a:ln>
+            <a:noFill/>
+          </a:ln>
+        </p:spPr>
+        <p:txBody>
+          <a:bodyPr anchorCtr="0" anchor="t" bIns="91425" lIns="91425" spcFirstLastPara="1" rIns="91425" wrap="square" tIns="91425">
+            <a:spAutoFit/>
+          </a:bodyPr>
+          <a:lstStyle/>
+          <a:p>
+            <a:pPr indent="0" lvl="0" marL="0" rtl="0" algn="l">
+              <a:spcBef>
+                <a:spcPts val="0"/>
+              </a:spcBef>
+              <a:spcAft>
+                <a:spcPts val="0"/>
+              </a:spcAft>
+              <a:buNone/>
+            </a:pPr>
+            <a:r>
+              <a:rPr lang="en" sz="2900">
+                <a:latin typeface="Lato"/>
+                <a:ea typeface="Lato"/>
+                <a:cs typeface="Lato"/>
+                <a:sym typeface="Lato"/>
+              </a:rPr>
+              <a:t>                                      </a:t>
+            </a:r>
+            <a:r>
+              <a:rPr b="1" lang="en" sz="2900">
+                <a:latin typeface="Montserrat"/>
+                <a:ea typeface="Montserrat"/>
+                <a:cs typeface="Montserrat"/>
+                <a:sym typeface="Montserrat"/>
+              </a:rPr>
+              <a:t>T</a:t>
+            </a:r>
+            <a:r>
+              <a:rPr b="1" lang="en" sz="2200">
+                <a:latin typeface="Montserrat"/>
+                <a:ea typeface="Montserrat"/>
+                <a:cs typeface="Montserrat"/>
+                <a:sym typeface="Montserrat"/>
+              </a:rPr>
+              <a:t>ime Complexity: </a:t>
+            </a:r>
+            <a:endParaRPr b="1" sz="2200">
+              <a:latin typeface="Montserrat"/>
+              <a:ea typeface="Montserrat"/>
+              <a:cs typeface="Montserrat"/>
+              <a:sym typeface="Montserrat"/>
+            </a:endParaRPr>
+          </a:p>
+          <a:p>
+            <a:pPr indent="0" lvl="0" marL="0" rtl="0" algn="l">
+              <a:spcBef>
+                <a:spcPts val="0"/>
+              </a:spcBef>
+              <a:spcAft>
+                <a:spcPts val="0"/>
+              </a:spcAft>
+              <a:buNone/>
+            </a:pPr>
+            <a:r>
+              <a:t/>
+            </a:r>
+            <a:endParaRPr sz="1200">
+              <a:latin typeface="Lato"/>
+              <a:ea typeface="Lato"/>
+              <a:cs typeface="Lato"/>
+              <a:sym typeface="Lato"/>
+            </a:endParaRPr>
+          </a:p>
+          <a:p>
+            <a:pPr indent="0" lvl="0" marL="0" rtl="0" algn="l">
+              <a:spcBef>
+                <a:spcPts val="0"/>
+              </a:spcBef>
+              <a:spcAft>
+                <a:spcPts val="0"/>
+              </a:spcAft>
+              <a:buNone/>
+            </a:pPr>
+            <a:r>
+              <a:rPr lang="en" sz="1800">
+                <a:latin typeface="Lato"/>
+                <a:ea typeface="Lato"/>
+                <a:cs typeface="Lato"/>
+                <a:sym typeface="Lato"/>
+              </a:rPr>
+              <a:t>In this method all the redundant calculations are avoided. Thus we are left with two nested recursive calls in which the value of n reduces by 1 in every function call, uptill 0 . Thus the time complexity for this algorithm is O(n</a:t>
+            </a:r>
+            <a:r>
+              <a:rPr baseline="30000" lang="en" sz="1800">
+                <a:latin typeface="Lato"/>
+                <a:ea typeface="Lato"/>
+                <a:cs typeface="Lato"/>
+                <a:sym typeface="Lato"/>
+              </a:rPr>
+              <a:t> 2</a:t>
+            </a:r>
+            <a:r>
+              <a:rPr lang="en" sz="1800">
+                <a:latin typeface="Lato"/>
+                <a:ea typeface="Lato"/>
+                <a:cs typeface="Lato"/>
+                <a:sym typeface="Lato"/>
+              </a:rPr>
+              <a:t> ). </a:t>
+            </a:r>
+            <a:endParaRPr sz="1800">
+              <a:latin typeface="Lato"/>
+              <a:ea typeface="Lato"/>
+              <a:cs typeface="Lato"/>
+              <a:sym typeface="Lato"/>
+            </a:endParaRPr>
+          </a:p>
+          <a:p>
+            <a:pPr indent="0" lvl="0" marL="0" rtl="0" algn="l">
+              <a:spcBef>
+                <a:spcPts val="0"/>
+              </a:spcBef>
+              <a:spcAft>
+                <a:spcPts val="0"/>
+              </a:spcAft>
+              <a:buNone/>
+            </a:pPr>
+            <a:r>
+              <a:rPr lang="en" sz="2200">
+                <a:latin typeface="Lato"/>
+                <a:ea typeface="Lato"/>
+                <a:cs typeface="Lato"/>
+                <a:sym typeface="Lato"/>
+              </a:rPr>
+              <a:t>                                                  </a:t>
+            </a:r>
+            <a:endParaRPr sz="2200">
+              <a:latin typeface="Lato"/>
+              <a:ea typeface="Lato"/>
+              <a:cs typeface="Lato"/>
+              <a:sym typeface="Lato"/>
+            </a:endParaRPr>
+          </a:p>
+          <a:p>
+            <a:pPr indent="0" lvl="0" marL="0" rtl="0" algn="l">
+              <a:spcBef>
+                <a:spcPts val="0"/>
+              </a:spcBef>
+              <a:spcAft>
+                <a:spcPts val="0"/>
+              </a:spcAft>
+              <a:buNone/>
+            </a:pPr>
+            <a:r>
+              <a:rPr lang="en" sz="2200">
+                <a:latin typeface="Lato"/>
+                <a:ea typeface="Lato"/>
+                <a:cs typeface="Lato"/>
+                <a:sym typeface="Lato"/>
+              </a:rPr>
+              <a:t>                                                  </a:t>
+            </a:r>
+            <a:r>
+              <a:rPr b="1" lang="en" sz="2200">
+                <a:latin typeface="Montserrat"/>
+                <a:ea typeface="Montserrat"/>
+                <a:cs typeface="Montserrat"/>
+                <a:sym typeface="Montserrat"/>
+              </a:rPr>
+              <a:t>Space Complexity: </a:t>
+            </a:r>
+            <a:endParaRPr b="1" sz="2200">
+              <a:latin typeface="Montserrat"/>
+              <a:ea typeface="Montserrat"/>
+              <a:cs typeface="Montserrat"/>
+              <a:sym typeface="Montserrat"/>
+            </a:endParaRPr>
+          </a:p>
+          <a:p>
+            <a:pPr indent="0" lvl="0" marL="0" rtl="0" algn="l">
+              <a:spcBef>
+                <a:spcPts val="0"/>
+              </a:spcBef>
+              <a:spcAft>
+                <a:spcPts val="0"/>
+              </a:spcAft>
+              <a:buNone/>
+            </a:pPr>
+            <a:r>
+              <a:t/>
+            </a:r>
+            <a:endParaRPr b="1" sz="2200">
+              <a:latin typeface="Montserrat"/>
+              <a:ea typeface="Montserrat"/>
+              <a:cs typeface="Montserrat"/>
+              <a:sym typeface="Montserrat"/>
+            </a:endParaRPr>
+          </a:p>
+          <a:p>
+            <a:pPr indent="0" lvl="0" marL="0" rtl="0" algn="l">
+              <a:spcBef>
+                <a:spcPts val="0"/>
+              </a:spcBef>
+              <a:spcAft>
+                <a:spcPts val="0"/>
+              </a:spcAft>
+              <a:buNone/>
+            </a:pPr>
+            <a:r>
+              <a:rPr lang="en" sz="1800">
+                <a:latin typeface="Lato"/>
+                <a:ea typeface="Lato"/>
+                <a:cs typeface="Lato"/>
+                <a:sym typeface="Lato"/>
+              </a:rPr>
+              <a:t>There are two arrays of length n which are given to us. We then declare a 2-D array of size NxN. There is some stack memory used in the recursive functions in which the auxiliary space required is significantly lower than O(n </a:t>
+            </a:r>
+            <a:r>
+              <a:rPr baseline="30000" lang="en" sz="1800">
+                <a:latin typeface="Lato"/>
+                <a:ea typeface="Lato"/>
+                <a:cs typeface="Lato"/>
+                <a:sym typeface="Lato"/>
+              </a:rPr>
+              <a:t>2</a:t>
+            </a:r>
+            <a:r>
+              <a:rPr lang="en" sz="1800">
+                <a:latin typeface="Lato"/>
+                <a:ea typeface="Lato"/>
+                <a:cs typeface="Lato"/>
+                <a:sym typeface="Lato"/>
+              </a:rPr>
+              <a:t> ). Thus the overall space complexity for the algorithm would be O(n) + O(n</a:t>
+            </a:r>
+            <a:r>
+              <a:rPr baseline="30000" lang="en" sz="1800">
+                <a:latin typeface="Lato"/>
+                <a:ea typeface="Lato"/>
+                <a:cs typeface="Lato"/>
+                <a:sym typeface="Lato"/>
+              </a:rPr>
+              <a:t>2</a:t>
+            </a:r>
+            <a:r>
+              <a:rPr lang="en" sz="1800">
+                <a:latin typeface="Lato"/>
+                <a:ea typeface="Lato"/>
+                <a:cs typeface="Lato"/>
+                <a:sym typeface="Lato"/>
+              </a:rPr>
+              <a:t> ) ≈ O(n</a:t>
+            </a:r>
+            <a:r>
+              <a:rPr baseline="30000" lang="en" sz="1800">
+                <a:latin typeface="Lato"/>
+                <a:ea typeface="Lato"/>
+                <a:cs typeface="Lato"/>
+                <a:sym typeface="Lato"/>
+              </a:rPr>
+              <a:t>2</a:t>
+            </a:r>
+            <a:r>
+              <a:rPr lang="en" sz="1800">
+                <a:latin typeface="Lato"/>
+                <a:ea typeface="Lato"/>
+                <a:cs typeface="Lato"/>
+                <a:sym typeface="Lato"/>
+              </a:rPr>
+              <a:t> ). </a:t>
+            </a:r>
+            <a:endParaRPr sz="1800">
+              <a:latin typeface="Lato"/>
+              <a:ea typeface="Lato"/>
+              <a:cs typeface="Lato"/>
+              <a:sym typeface="Lato"/>
+            </a:endParaRPr>
+          </a:p>
+        </p:txBody>
+      </p:sp>
+    </p:spTree>
+  </p:cSld>
+  <p:clrMapOvr>
+    <a:masterClrMapping/>
+  </p:clrMapOvr>
+</p:sld>
+</file>
+
+<file path=ppt/slides/slide11.xml><?xml version="1.0" encoding="utf-8"?>
+<p:sld xmlns:a="http://schemas.openxmlformats.org/drawingml/2006/main" xmlns:r="http://schemas.openxmlformats.org/officeDocument/2006/relationships" xmlns:mc="http://schemas.openxmlformats.org/markup-compatibility/2006" xmlns:mv="urn:schemas-microsoft-com:mac:vml" xmlns:p="http://schemas.openxmlformats.org/presentationml/2006/main" xmlns:c="http://schemas.openxmlformats.org/drawingml/2006/chart" xmlns:dgm="http://schemas.openxmlformats.org/drawingml/2006/diagram" xmlns:o="urn:schemas-microsoft-com:office:office" xmlns:v="urn:schemas-microsoft-com:vml" xmlns:pvml="urn:schemas-microsoft-com:office:powerpoint" xmlns:com="http://schemas.openxmlformats.org/drawingml/2006/compatibility" xmlns:p14="http://schemas.microsoft.com/office/powerpoint/2010/main" xmlns:p15="http://schemas.microsoft.com/office/powerpoint/2012/main" xmlns:ahyp="http://schemas.microsoft.com/office/drawing/2018/hyperlinkcolor">
+  <p:cSld>
+    <p:spTree>
+      <p:nvGrpSpPr>
+        <p:cNvPr id="151" name="Shape 151"/>
+        <p:cNvGrpSpPr/>
+        <p:nvPr/>
+      </p:nvGrpSpPr>
+      <p:grpSpPr>
+        <a:xfrm>
+          <a:off x="0" y="0"/>
+          <a:ext cx="0" cy="0"/>
+          <a:chOff x="0" y="0"/>
+          <a:chExt cx="0" cy="0"/>
+        </a:xfrm>
+      </p:grpSpPr>
+      <p:sp>
+        <p:nvSpPr>
+          <p:cNvPr id="152" name="Google Shape;152;p23"/>
           <p:cNvSpPr txBox="1"/>
           <p:nvPr/>
         </p:nvSpPr>
@@ -8941,7 +9407,7 @@
       </p:sp>
       <p:sp>
         <p:nvSpPr>
-          <p:cNvPr id="146" name="Google Shape;146;p22"/>
+          <p:cNvPr id="153" name="Google Shape;153;p23"/>
           <p:cNvSpPr txBox="1"/>
           <p:nvPr/>
         </p:nvSpPr>
@@ -9054,12 +9520,12 @@
 </p:sld>
 </file>
 
-<file path=ppt/slides/slide11.xml><?xml version="1.0" encoding="utf-8"?>
+<file path=ppt/slides/slide12.xml><?xml version="1.0" encoding="utf-8"?>
 <p:sld xmlns:a="http://schemas.openxmlformats.org/drawingml/2006/main" xmlns:r="http://schemas.openxmlformats.org/officeDocument/2006/relationships" xmlns:mc="http://schemas.openxmlformats.org/markup-compatibility/2006" xmlns:mv="urn:schemas-microsoft-com:mac:vml" xmlns:p="http://schemas.openxmlformats.org/presentationml/2006/main" xmlns:c="http://schemas.openxmlformats.org/drawingml/2006/chart" xmlns:dgm="http://schemas.openxmlformats.org/drawingml/2006/diagram" xmlns:o="urn:schemas-microsoft-com:office:office" xmlns:v="urn:schemas-microsoft-com:vml" xmlns:pvml="urn:schemas-microsoft-com:office:powerpoint" xmlns:com="http://schemas.openxmlformats.org/drawingml/2006/compatibility" xmlns:p14="http://schemas.microsoft.com/office/powerpoint/2010/main" xmlns:p15="http://schemas.microsoft.com/office/powerpoint/2012/main" xmlns:ahyp="http://schemas.microsoft.com/office/drawing/2018/hyperlinkcolor">
   <p:cSld>
     <p:spTree>
       <p:nvGrpSpPr>
-        <p:cNvPr id="150" name="Shape 150"/>
+        <p:cNvPr id="157" name="Shape 157"/>
         <p:cNvGrpSpPr/>
         <p:nvPr/>
       </p:nvGrpSpPr>
@@ -9073,7 +9539,7 @@
       </p:grpSpPr>
       <p:sp>
         <p:nvSpPr>
-          <p:cNvPr id="151" name="Google Shape;151;p23"/>
+          <p:cNvPr id="158" name="Google Shape;158;p24"/>
           <p:cNvSpPr txBox="1"/>
           <p:nvPr/>
         </p:nvSpPr>
@@ -9119,7 +9585,7 @@
       </p:sp>
       <p:sp>
         <p:nvSpPr>
-          <p:cNvPr id="152" name="Google Shape;152;p23"/>
+          <p:cNvPr id="159" name="Google Shape;159;p24"/>
           <p:cNvSpPr txBox="1"/>
           <p:nvPr/>
         </p:nvSpPr>
@@ -9171,7 +9637,7 @@
       </p:sp>
       <p:pic>
         <p:nvPicPr>
-          <p:cNvPr id="153" name="Google Shape;153;p23"/>
+          <p:cNvPr id="160" name="Google Shape;160;p24"/>
           <p:cNvPicPr preferRelativeResize="0"/>
           <p:nvPr/>
         </p:nvPicPr>
@@ -9199,7 +9665,7 @@
       </p:pic>
       <p:pic>
         <p:nvPicPr>
-          <p:cNvPr id="154" name="Google Shape;154;p23"/>
+          <p:cNvPr id="161" name="Google Shape;161;p24"/>
           <p:cNvPicPr preferRelativeResize="0"/>
           <p:nvPr/>
         </p:nvPicPr>
@@ -9233,12 +9699,12 @@
 </p:sld>
 </file>
 
-<file path=ppt/slides/slide12.xml><?xml version="1.0" encoding="utf-8"?>
+<file path=ppt/slides/slide13.xml><?xml version="1.0" encoding="utf-8"?>
 <p:sld xmlns:a="http://schemas.openxmlformats.org/drawingml/2006/main" xmlns:r="http://schemas.openxmlformats.org/officeDocument/2006/relationships" xmlns:mc="http://schemas.openxmlformats.org/markup-compatibility/2006" xmlns:mv="urn:schemas-microsoft-com:mac:vml" xmlns:p="http://schemas.openxmlformats.org/presentationml/2006/main" xmlns:c="http://schemas.openxmlformats.org/drawingml/2006/chart" xmlns:dgm="http://schemas.openxmlformats.org/drawingml/2006/diagram" xmlns:o="urn:schemas-microsoft-com:office:office" xmlns:v="urn:schemas-microsoft-com:vml" xmlns:pvml="urn:schemas-microsoft-com:office:powerpoint" xmlns:com="http://schemas.openxmlformats.org/drawingml/2006/compatibility" xmlns:p14="http://schemas.microsoft.com/office/powerpoint/2010/main" xmlns:p15="http://schemas.microsoft.com/office/powerpoint/2012/main" xmlns:ahyp="http://schemas.microsoft.com/office/drawing/2018/hyperlinkcolor">
   <p:cSld>
     <p:spTree>
       <p:nvGrpSpPr>
-        <p:cNvPr id="158" name="Shape 158"/>
+        <p:cNvPr id="165" name="Shape 165"/>
         <p:cNvGrpSpPr/>
         <p:nvPr/>
       </p:nvGrpSpPr>
@@ -9252,7 +9718,7 @@
       </p:grpSpPr>
       <p:sp>
         <p:nvSpPr>
-          <p:cNvPr id="159" name="Google Shape;159;p24"/>
+          <p:cNvPr id="166" name="Google Shape;166;p25"/>
           <p:cNvSpPr txBox="1"/>
           <p:nvPr/>
         </p:nvSpPr>
@@ -9298,7 +9764,7 @@
       </p:sp>
       <p:sp>
         <p:nvSpPr>
-          <p:cNvPr id="160" name="Google Shape;160;p24"/>
+          <p:cNvPr id="167" name="Google Shape;167;p25"/>
           <p:cNvSpPr txBox="1"/>
           <p:nvPr/>
         </p:nvSpPr>
@@ -9581,12 +10047,12 @@
 </p:sld>
 </file>
 
-<file path=ppt/slides/slide13.xml><?xml version="1.0" encoding="utf-8"?>
+<file path=ppt/slides/slide14.xml><?xml version="1.0" encoding="utf-8"?>
 <p:sld xmlns:a="http://schemas.openxmlformats.org/drawingml/2006/main" xmlns:r="http://schemas.openxmlformats.org/officeDocument/2006/relationships" xmlns:mc="http://schemas.openxmlformats.org/markup-compatibility/2006" xmlns:mv="urn:schemas-microsoft-com:mac:vml" xmlns:p="http://schemas.openxmlformats.org/presentationml/2006/main" xmlns:c="http://schemas.openxmlformats.org/drawingml/2006/chart" xmlns:dgm="http://schemas.openxmlformats.org/drawingml/2006/diagram" xmlns:o="urn:schemas-microsoft-com:office:office" xmlns:v="urn:schemas-microsoft-com:vml" xmlns:pvml="urn:schemas-microsoft-com:office:powerpoint" xmlns:com="http://schemas.openxmlformats.org/drawingml/2006/compatibility" xmlns:p14="http://schemas.microsoft.com/office/powerpoint/2010/main" xmlns:p15="http://schemas.microsoft.com/office/powerpoint/2012/main" xmlns:ahyp="http://schemas.microsoft.com/office/drawing/2018/hyperlinkcolor">
   <p:cSld>
     <p:spTree>
       <p:nvGrpSpPr>
-        <p:cNvPr id="164" name="Shape 164"/>
+        <p:cNvPr id="171" name="Shape 171"/>
         <p:cNvGrpSpPr/>
         <p:nvPr/>
       </p:nvGrpSpPr>
@@ -9600,7 +10066,7 @@
       </p:grpSpPr>
       <p:sp>
         <p:nvSpPr>
-          <p:cNvPr id="165" name="Google Shape;165;p25"/>
+          <p:cNvPr id="172" name="Google Shape;172;p26"/>
           <p:cNvSpPr txBox="1"/>
           <p:nvPr>
             <p:ph type="title"/>
@@ -9682,7 +10148,7 @@
       </p:sp>
       <p:sp>
         <p:nvSpPr>
-          <p:cNvPr id="166" name="Google Shape;166;p25"/>
+          <p:cNvPr id="173" name="Google Shape;173;p26"/>
           <p:cNvSpPr txBox="1"/>
           <p:nvPr>
             <p:ph idx="1" type="body"/>
@@ -10086,6 +10552,862 @@
         </p:nvSpPr>
         <p:spPr>
           <a:xfrm>
+            <a:off x="3615950" y="719850"/>
+            <a:ext cx="7688700" cy="535200"/>
+          </a:xfrm>
+          <a:prstGeom prst="rect">
+            <a:avLst/>
+          </a:prstGeom>
+          <a:noFill/>
+          <a:ln>
+            <a:noFill/>
+          </a:ln>
+        </p:spPr>
+        <p:txBody>
+          <a:bodyPr anchorCtr="0" anchor="t" bIns="91425" lIns="91425" spcFirstLastPara="1" rIns="91425" wrap="square" tIns="91425">
+            <a:noAutofit/>
+          </a:bodyPr>
+          <a:lstStyle/>
+          <a:p>
+            <a:pPr indent="0" lvl="0" marL="0" rtl="0" algn="l">
+              <a:lnSpc>
+                <a:spcPct val="95000"/>
+              </a:lnSpc>
+              <a:spcBef>
+                <a:spcPts val="0"/>
+              </a:spcBef>
+              <a:spcAft>
+                <a:spcPts val="0"/>
+              </a:spcAft>
+              <a:buSzPts val="523"/>
+              <a:buNone/>
+            </a:pPr>
+            <a:r>
+              <a:rPr b="1" lang="en" sz="1682"/>
+              <a:t>Contents</a:t>
+            </a:r>
+            <a:endParaRPr b="1" sz="1682"/>
+          </a:p>
+          <a:p>
+            <a:pPr indent="0" lvl="0" marL="0" rtl="0" algn="l">
+              <a:lnSpc>
+                <a:spcPct val="80000"/>
+              </a:lnSpc>
+              <a:spcBef>
+                <a:spcPts val="0"/>
+              </a:spcBef>
+              <a:spcAft>
+                <a:spcPts val="0"/>
+              </a:spcAft>
+              <a:buSzPts val="523"/>
+              <a:buNone/>
+            </a:pPr>
+            <a:r>
+              <a:t/>
+            </a:r>
+            <a:endParaRPr b="1" sz="1235">
+              <a:solidFill>
+                <a:srgbClr val="1A1A1A"/>
+              </a:solidFill>
+              <a:latin typeface="Raleway"/>
+              <a:ea typeface="Raleway"/>
+              <a:cs typeface="Raleway"/>
+              <a:sym typeface="Raleway"/>
+            </a:endParaRPr>
+          </a:p>
+        </p:txBody>
+      </p:sp>
+      <p:sp>
+        <p:nvSpPr>
+          <p:cNvPr id="92" name="Google Shape;92;p14"/>
+          <p:cNvSpPr txBox="1"/>
+          <p:nvPr/>
+        </p:nvSpPr>
+        <p:spPr>
+          <a:xfrm>
+            <a:off x="944400" y="1642825"/>
+            <a:ext cx="2479500" cy="3654000"/>
+          </a:xfrm>
+          <a:prstGeom prst="rect">
+            <a:avLst/>
+          </a:prstGeom>
+          <a:noFill/>
+          <a:ln>
+            <a:noFill/>
+          </a:ln>
+        </p:spPr>
+        <p:txBody>
+          <a:bodyPr anchorCtr="0" anchor="t" bIns="91425" lIns="91425" spcFirstLastPara="1" rIns="91425" wrap="square" tIns="91425">
+            <a:normAutofit fontScale="70000" lnSpcReduction="20000"/>
+          </a:bodyPr>
+          <a:lstStyle/>
+          <a:p>
+            <a:pPr indent="-321945" lvl="0" marL="457200" rtl="0" algn="l">
+              <a:lnSpc>
+                <a:spcPct val="115000"/>
+              </a:lnSpc>
+              <a:spcBef>
+                <a:spcPts val="0"/>
+              </a:spcBef>
+              <a:spcAft>
+                <a:spcPts val="0"/>
+              </a:spcAft>
+              <a:buClr>
+                <a:srgbClr val="24292E"/>
+              </a:buClr>
+              <a:buSzPct val="100000"/>
+              <a:buFont typeface="Lora"/>
+              <a:buAutoNum type="arabicPeriod"/>
+            </a:pPr>
+            <a:r>
+              <a:rPr lang="en" sz="2100">
+                <a:solidFill>
+                  <a:srgbClr val="24292E"/>
+                </a:solidFill>
+                <a:latin typeface="Lora"/>
+                <a:ea typeface="Lora"/>
+                <a:cs typeface="Lora"/>
+                <a:sym typeface="Lora"/>
+              </a:rPr>
+              <a:t>Problem statement</a:t>
+            </a:r>
+            <a:endParaRPr sz="2100">
+              <a:solidFill>
+                <a:srgbClr val="24292E"/>
+              </a:solidFill>
+              <a:latin typeface="Lora"/>
+              <a:ea typeface="Lora"/>
+              <a:cs typeface="Lora"/>
+              <a:sym typeface="Lora"/>
+            </a:endParaRPr>
+          </a:p>
+          <a:p>
+            <a:pPr indent="0" lvl="0" marL="457200" rtl="0" algn="l">
+              <a:lnSpc>
+                <a:spcPct val="115000"/>
+              </a:lnSpc>
+              <a:spcBef>
+                <a:spcPts val="1200"/>
+              </a:spcBef>
+              <a:spcAft>
+                <a:spcPts val="0"/>
+              </a:spcAft>
+              <a:buNone/>
+            </a:pPr>
+            <a:r>
+              <a:t/>
+            </a:r>
+            <a:endParaRPr sz="2100">
+              <a:solidFill>
+                <a:srgbClr val="24292E"/>
+              </a:solidFill>
+              <a:latin typeface="Lora"/>
+              <a:ea typeface="Lora"/>
+              <a:cs typeface="Lora"/>
+              <a:sym typeface="Lora"/>
+            </a:endParaRPr>
+          </a:p>
+          <a:p>
+            <a:pPr indent="-321945" lvl="0" marL="457200" rtl="0" algn="l">
+              <a:lnSpc>
+                <a:spcPct val="115000"/>
+              </a:lnSpc>
+              <a:spcBef>
+                <a:spcPts val="1200"/>
+              </a:spcBef>
+              <a:spcAft>
+                <a:spcPts val="0"/>
+              </a:spcAft>
+              <a:buClr>
+                <a:srgbClr val="24292E"/>
+              </a:buClr>
+              <a:buSzPct val="100000"/>
+              <a:buFont typeface="Lora"/>
+              <a:buAutoNum type="arabicPeriod"/>
+            </a:pPr>
+            <a:r>
+              <a:rPr lang="en" sz="2100">
+                <a:solidFill>
+                  <a:srgbClr val="24292E"/>
+                </a:solidFill>
+                <a:latin typeface="Lora"/>
+                <a:ea typeface="Lora"/>
+                <a:cs typeface="Lora"/>
+                <a:sym typeface="Lora"/>
+              </a:rPr>
+              <a:t>Algorithm-01</a:t>
+            </a:r>
+            <a:endParaRPr sz="2100">
+              <a:solidFill>
+                <a:srgbClr val="24292E"/>
+              </a:solidFill>
+              <a:latin typeface="Lora"/>
+              <a:ea typeface="Lora"/>
+              <a:cs typeface="Lora"/>
+              <a:sym typeface="Lora"/>
+            </a:endParaRPr>
+          </a:p>
+          <a:p>
+            <a:pPr indent="-321945" lvl="0" marL="457200" rtl="0" algn="l">
+              <a:lnSpc>
+                <a:spcPct val="115000"/>
+              </a:lnSpc>
+              <a:spcBef>
+                <a:spcPts val="0"/>
+              </a:spcBef>
+              <a:spcAft>
+                <a:spcPts val="0"/>
+              </a:spcAft>
+              <a:buClr>
+                <a:srgbClr val="24292E"/>
+              </a:buClr>
+              <a:buSzPct val="100000"/>
+              <a:buFont typeface="Lora"/>
+              <a:buChar char="●"/>
+            </a:pPr>
+            <a:r>
+              <a:rPr lang="en" sz="2100">
+                <a:solidFill>
+                  <a:srgbClr val="24292E"/>
+                </a:solidFill>
+                <a:latin typeface="Lora"/>
+                <a:ea typeface="Lora"/>
+                <a:cs typeface="Lora"/>
+                <a:sym typeface="Lora"/>
+              </a:rPr>
+              <a:t>Description</a:t>
+            </a:r>
+            <a:endParaRPr sz="2100">
+              <a:solidFill>
+                <a:srgbClr val="24292E"/>
+              </a:solidFill>
+              <a:latin typeface="Lora"/>
+              <a:ea typeface="Lora"/>
+              <a:cs typeface="Lora"/>
+              <a:sym typeface="Lora"/>
+            </a:endParaRPr>
+          </a:p>
+          <a:p>
+            <a:pPr indent="-321945" lvl="0" marL="457200" rtl="0" algn="l">
+              <a:lnSpc>
+                <a:spcPct val="115000"/>
+              </a:lnSpc>
+              <a:spcBef>
+                <a:spcPts val="0"/>
+              </a:spcBef>
+              <a:spcAft>
+                <a:spcPts val="0"/>
+              </a:spcAft>
+              <a:buClr>
+                <a:srgbClr val="24292E"/>
+              </a:buClr>
+              <a:buSzPct val="100000"/>
+              <a:buFont typeface="Lora"/>
+              <a:buChar char="●"/>
+            </a:pPr>
+            <a:r>
+              <a:rPr lang="en" sz="2100">
+                <a:solidFill>
+                  <a:srgbClr val="24292E"/>
+                </a:solidFill>
+                <a:latin typeface="Lora"/>
+                <a:ea typeface="Lora"/>
+                <a:cs typeface="Lora"/>
+                <a:sym typeface="Lora"/>
+              </a:rPr>
+              <a:t>Pseudo Code</a:t>
+            </a:r>
+            <a:endParaRPr sz="2100">
+              <a:solidFill>
+                <a:srgbClr val="24292E"/>
+              </a:solidFill>
+              <a:latin typeface="Lora"/>
+              <a:ea typeface="Lora"/>
+              <a:cs typeface="Lora"/>
+              <a:sym typeface="Lora"/>
+            </a:endParaRPr>
+          </a:p>
+          <a:p>
+            <a:pPr indent="-321945" lvl="0" marL="457200" rtl="0" algn="l">
+              <a:lnSpc>
+                <a:spcPct val="115000"/>
+              </a:lnSpc>
+              <a:spcBef>
+                <a:spcPts val="0"/>
+              </a:spcBef>
+              <a:spcAft>
+                <a:spcPts val="0"/>
+              </a:spcAft>
+              <a:buClr>
+                <a:srgbClr val="24292E"/>
+              </a:buClr>
+              <a:buSzPct val="100000"/>
+              <a:buFont typeface="Lora"/>
+              <a:buChar char="●"/>
+            </a:pPr>
+            <a:r>
+              <a:rPr lang="en" sz="2100">
+                <a:solidFill>
+                  <a:srgbClr val="24292E"/>
+                </a:solidFill>
+                <a:latin typeface="Lora"/>
+                <a:ea typeface="Lora"/>
+                <a:cs typeface="Lora"/>
+                <a:sym typeface="Lora"/>
+              </a:rPr>
+              <a:t>Complexity</a:t>
+            </a:r>
+            <a:endParaRPr sz="2100">
+              <a:solidFill>
+                <a:srgbClr val="24292E"/>
+              </a:solidFill>
+              <a:latin typeface="Lora"/>
+              <a:ea typeface="Lora"/>
+              <a:cs typeface="Lora"/>
+              <a:sym typeface="Lora"/>
+            </a:endParaRPr>
+          </a:p>
+          <a:p>
+            <a:pPr indent="0" lvl="0" marL="457200" rtl="0" algn="l">
+              <a:lnSpc>
+                <a:spcPct val="115000"/>
+              </a:lnSpc>
+              <a:spcBef>
+                <a:spcPts val="1200"/>
+              </a:spcBef>
+              <a:spcAft>
+                <a:spcPts val="0"/>
+              </a:spcAft>
+              <a:buNone/>
+            </a:pPr>
+            <a:r>
+              <a:t/>
+            </a:r>
+            <a:endParaRPr sz="2100">
+              <a:solidFill>
+                <a:srgbClr val="24292E"/>
+              </a:solidFill>
+              <a:latin typeface="Lora"/>
+              <a:ea typeface="Lora"/>
+              <a:cs typeface="Lora"/>
+              <a:sym typeface="Lora"/>
+            </a:endParaRPr>
+          </a:p>
+          <a:p>
+            <a:pPr indent="-321945" lvl="0" marL="457200" rtl="0" algn="l">
+              <a:lnSpc>
+                <a:spcPct val="115000"/>
+              </a:lnSpc>
+              <a:spcBef>
+                <a:spcPts val="1200"/>
+              </a:spcBef>
+              <a:spcAft>
+                <a:spcPts val="0"/>
+              </a:spcAft>
+              <a:buClr>
+                <a:srgbClr val="24292E"/>
+              </a:buClr>
+              <a:buSzPct val="100000"/>
+              <a:buFont typeface="Lora"/>
+              <a:buAutoNum type="arabicPeriod"/>
+            </a:pPr>
+            <a:r>
+              <a:rPr lang="en" sz="2100">
+                <a:solidFill>
+                  <a:srgbClr val="24292E"/>
+                </a:solidFill>
+                <a:latin typeface="Lora"/>
+                <a:ea typeface="Lora"/>
+                <a:cs typeface="Lora"/>
+                <a:sym typeface="Lora"/>
+              </a:rPr>
+              <a:t>Algorithm-02</a:t>
+            </a:r>
+            <a:endParaRPr sz="2100">
+              <a:solidFill>
+                <a:srgbClr val="24292E"/>
+              </a:solidFill>
+              <a:latin typeface="Lora"/>
+              <a:ea typeface="Lora"/>
+              <a:cs typeface="Lora"/>
+              <a:sym typeface="Lora"/>
+            </a:endParaRPr>
+          </a:p>
+          <a:p>
+            <a:pPr indent="-321945" lvl="0" marL="457200" rtl="0" algn="l">
+              <a:lnSpc>
+                <a:spcPct val="115000"/>
+              </a:lnSpc>
+              <a:spcBef>
+                <a:spcPts val="0"/>
+              </a:spcBef>
+              <a:spcAft>
+                <a:spcPts val="0"/>
+              </a:spcAft>
+              <a:buClr>
+                <a:srgbClr val="24292E"/>
+              </a:buClr>
+              <a:buSzPct val="100000"/>
+              <a:buFont typeface="Lora"/>
+              <a:buChar char="●"/>
+            </a:pPr>
+            <a:r>
+              <a:rPr lang="en" sz="2100">
+                <a:solidFill>
+                  <a:srgbClr val="24292E"/>
+                </a:solidFill>
+                <a:latin typeface="Lora"/>
+                <a:ea typeface="Lora"/>
+                <a:cs typeface="Lora"/>
+                <a:sym typeface="Lora"/>
+              </a:rPr>
+              <a:t>Description</a:t>
+            </a:r>
+            <a:endParaRPr sz="2100">
+              <a:solidFill>
+                <a:srgbClr val="24292E"/>
+              </a:solidFill>
+              <a:latin typeface="Lora"/>
+              <a:ea typeface="Lora"/>
+              <a:cs typeface="Lora"/>
+              <a:sym typeface="Lora"/>
+            </a:endParaRPr>
+          </a:p>
+          <a:p>
+            <a:pPr indent="-321945" lvl="0" marL="457200" rtl="0" algn="l">
+              <a:lnSpc>
+                <a:spcPct val="115000"/>
+              </a:lnSpc>
+              <a:spcBef>
+                <a:spcPts val="0"/>
+              </a:spcBef>
+              <a:spcAft>
+                <a:spcPts val="0"/>
+              </a:spcAft>
+              <a:buClr>
+                <a:srgbClr val="24292E"/>
+              </a:buClr>
+              <a:buSzPct val="100000"/>
+              <a:buFont typeface="Lora"/>
+              <a:buChar char="●"/>
+            </a:pPr>
+            <a:r>
+              <a:rPr lang="en" sz="2100">
+                <a:solidFill>
+                  <a:srgbClr val="24292E"/>
+                </a:solidFill>
+                <a:latin typeface="Lora"/>
+                <a:ea typeface="Lora"/>
+                <a:cs typeface="Lora"/>
+                <a:sym typeface="Lora"/>
+              </a:rPr>
+              <a:t>Pseudo Code</a:t>
+            </a:r>
+            <a:endParaRPr sz="2100">
+              <a:solidFill>
+                <a:srgbClr val="24292E"/>
+              </a:solidFill>
+              <a:latin typeface="Lora"/>
+              <a:ea typeface="Lora"/>
+              <a:cs typeface="Lora"/>
+              <a:sym typeface="Lora"/>
+            </a:endParaRPr>
+          </a:p>
+          <a:p>
+            <a:pPr indent="-321945" lvl="0" marL="457200" rtl="0" algn="l">
+              <a:lnSpc>
+                <a:spcPct val="115000"/>
+              </a:lnSpc>
+              <a:spcBef>
+                <a:spcPts val="0"/>
+              </a:spcBef>
+              <a:spcAft>
+                <a:spcPts val="0"/>
+              </a:spcAft>
+              <a:buClr>
+                <a:srgbClr val="24292E"/>
+              </a:buClr>
+              <a:buSzPct val="100000"/>
+              <a:buFont typeface="Lora"/>
+              <a:buChar char="●"/>
+            </a:pPr>
+            <a:r>
+              <a:rPr lang="en" sz="2100">
+                <a:solidFill>
+                  <a:srgbClr val="24292E"/>
+                </a:solidFill>
+                <a:latin typeface="Lora"/>
+                <a:ea typeface="Lora"/>
+                <a:cs typeface="Lora"/>
+                <a:sym typeface="Lora"/>
+              </a:rPr>
+              <a:t>Complexity</a:t>
+            </a:r>
+            <a:endParaRPr sz="2100">
+              <a:solidFill>
+                <a:srgbClr val="24292E"/>
+              </a:solidFill>
+              <a:latin typeface="Lora"/>
+              <a:ea typeface="Lora"/>
+              <a:cs typeface="Lora"/>
+              <a:sym typeface="Lora"/>
+            </a:endParaRPr>
+          </a:p>
+          <a:p>
+            <a:pPr indent="0" lvl="0" marL="0" rtl="0" algn="l">
+              <a:lnSpc>
+                <a:spcPct val="115000"/>
+              </a:lnSpc>
+              <a:spcBef>
+                <a:spcPts val="1200"/>
+              </a:spcBef>
+              <a:spcAft>
+                <a:spcPts val="1200"/>
+              </a:spcAft>
+              <a:buNone/>
+            </a:pPr>
+            <a:r>
+              <a:t/>
+            </a:r>
+            <a:endParaRPr sz="2100">
+              <a:solidFill>
+                <a:srgbClr val="24292E"/>
+              </a:solidFill>
+              <a:latin typeface="Lora"/>
+              <a:ea typeface="Lora"/>
+              <a:cs typeface="Lora"/>
+              <a:sym typeface="Lora"/>
+            </a:endParaRPr>
+          </a:p>
+        </p:txBody>
+      </p:sp>
+      <p:sp>
+        <p:nvSpPr>
+          <p:cNvPr id="93" name="Google Shape;93;p14"/>
+          <p:cNvSpPr txBox="1"/>
+          <p:nvPr/>
+        </p:nvSpPr>
+        <p:spPr>
+          <a:xfrm>
+            <a:off x="4704925" y="1642825"/>
+            <a:ext cx="3171600" cy="3071100"/>
+          </a:xfrm>
+          <a:prstGeom prst="rect">
+            <a:avLst/>
+          </a:prstGeom>
+          <a:noFill/>
+          <a:ln>
+            <a:noFill/>
+          </a:ln>
+        </p:spPr>
+        <p:txBody>
+          <a:bodyPr anchorCtr="0" anchor="t" bIns="91425" lIns="91425" spcFirstLastPara="1" rIns="91425" wrap="square" tIns="91425">
+            <a:normAutofit fontScale="85000" lnSpcReduction="20000"/>
+          </a:bodyPr>
+          <a:lstStyle/>
+          <a:p>
+            <a:pPr indent="0" lvl="0" marL="0" rtl="0" algn="l">
+              <a:lnSpc>
+                <a:spcPct val="115000"/>
+              </a:lnSpc>
+              <a:spcBef>
+                <a:spcPts val="0"/>
+              </a:spcBef>
+              <a:spcAft>
+                <a:spcPts val="0"/>
+              </a:spcAft>
+              <a:buNone/>
+            </a:pPr>
+            <a:r>
+              <a:t/>
+            </a:r>
+            <a:endParaRPr sz="2100">
+              <a:solidFill>
+                <a:srgbClr val="24292E"/>
+              </a:solidFill>
+              <a:latin typeface="Lora"/>
+              <a:ea typeface="Lora"/>
+              <a:cs typeface="Lora"/>
+              <a:sym typeface="Lora"/>
+            </a:endParaRPr>
+          </a:p>
+          <a:p>
+            <a:pPr indent="0" lvl="0" marL="457200" rtl="0" algn="l">
+              <a:lnSpc>
+                <a:spcPct val="115000"/>
+              </a:lnSpc>
+              <a:spcBef>
+                <a:spcPts val="1200"/>
+              </a:spcBef>
+              <a:spcAft>
+                <a:spcPts val="0"/>
+              </a:spcAft>
+              <a:buNone/>
+            </a:pPr>
+            <a:r>
+              <a:rPr lang="en" sz="2100">
+                <a:solidFill>
+                  <a:srgbClr val="24292E"/>
+                </a:solidFill>
+                <a:latin typeface="Lora"/>
+                <a:ea typeface="Lora"/>
+                <a:cs typeface="Lora"/>
+                <a:sym typeface="Lora"/>
+              </a:rPr>
+              <a:t>4. Algorithm-03</a:t>
+            </a:r>
+            <a:endParaRPr sz="2100">
+              <a:solidFill>
+                <a:srgbClr val="24292E"/>
+              </a:solidFill>
+              <a:latin typeface="Lora"/>
+              <a:ea typeface="Lora"/>
+              <a:cs typeface="Lora"/>
+              <a:sym typeface="Lora"/>
+            </a:endParaRPr>
+          </a:p>
+          <a:p>
+            <a:pPr indent="-341947" lvl="0" marL="457200" rtl="0" algn="l">
+              <a:lnSpc>
+                <a:spcPct val="115000"/>
+              </a:lnSpc>
+              <a:spcBef>
+                <a:spcPts val="1200"/>
+              </a:spcBef>
+              <a:spcAft>
+                <a:spcPts val="0"/>
+              </a:spcAft>
+              <a:buClr>
+                <a:srgbClr val="24292E"/>
+              </a:buClr>
+              <a:buSzPct val="100000"/>
+              <a:buFont typeface="Lora"/>
+              <a:buChar char="●"/>
+            </a:pPr>
+            <a:r>
+              <a:rPr lang="en" sz="2100">
+                <a:solidFill>
+                  <a:srgbClr val="24292E"/>
+                </a:solidFill>
+                <a:latin typeface="Lora"/>
+                <a:ea typeface="Lora"/>
+                <a:cs typeface="Lora"/>
+                <a:sym typeface="Lora"/>
+              </a:rPr>
+              <a:t>Description</a:t>
+            </a:r>
+            <a:endParaRPr sz="2100">
+              <a:solidFill>
+                <a:srgbClr val="24292E"/>
+              </a:solidFill>
+              <a:latin typeface="Lora"/>
+              <a:ea typeface="Lora"/>
+              <a:cs typeface="Lora"/>
+              <a:sym typeface="Lora"/>
+            </a:endParaRPr>
+          </a:p>
+          <a:p>
+            <a:pPr indent="-341947" lvl="0" marL="457200" rtl="0" algn="l">
+              <a:lnSpc>
+                <a:spcPct val="115000"/>
+              </a:lnSpc>
+              <a:spcBef>
+                <a:spcPts val="0"/>
+              </a:spcBef>
+              <a:spcAft>
+                <a:spcPts val="0"/>
+              </a:spcAft>
+              <a:buClr>
+                <a:srgbClr val="24292E"/>
+              </a:buClr>
+              <a:buSzPct val="100000"/>
+              <a:buFont typeface="Lora"/>
+              <a:buChar char="●"/>
+            </a:pPr>
+            <a:r>
+              <a:rPr lang="en" sz="2100">
+                <a:solidFill>
+                  <a:srgbClr val="24292E"/>
+                </a:solidFill>
+                <a:latin typeface="Lora"/>
+                <a:ea typeface="Lora"/>
+                <a:cs typeface="Lora"/>
+                <a:sym typeface="Lora"/>
+              </a:rPr>
+              <a:t>Pseudo Code</a:t>
+            </a:r>
+            <a:endParaRPr sz="2100">
+              <a:solidFill>
+                <a:srgbClr val="24292E"/>
+              </a:solidFill>
+              <a:latin typeface="Lora"/>
+              <a:ea typeface="Lora"/>
+              <a:cs typeface="Lora"/>
+              <a:sym typeface="Lora"/>
+            </a:endParaRPr>
+          </a:p>
+          <a:p>
+            <a:pPr indent="-341947" lvl="0" marL="457200" rtl="0" algn="l">
+              <a:lnSpc>
+                <a:spcPct val="115000"/>
+              </a:lnSpc>
+              <a:spcBef>
+                <a:spcPts val="0"/>
+              </a:spcBef>
+              <a:spcAft>
+                <a:spcPts val="0"/>
+              </a:spcAft>
+              <a:buClr>
+                <a:srgbClr val="24292E"/>
+              </a:buClr>
+              <a:buSzPct val="100000"/>
+              <a:buFont typeface="Lora"/>
+              <a:buChar char="●"/>
+            </a:pPr>
+            <a:r>
+              <a:rPr lang="en" sz="2100">
+                <a:solidFill>
+                  <a:srgbClr val="24292E"/>
+                </a:solidFill>
+                <a:latin typeface="Lora"/>
+                <a:ea typeface="Lora"/>
+                <a:cs typeface="Lora"/>
+                <a:sym typeface="Lora"/>
+              </a:rPr>
+              <a:t>Complexity</a:t>
+            </a:r>
+            <a:endParaRPr sz="2100">
+              <a:solidFill>
+                <a:srgbClr val="24292E"/>
+              </a:solidFill>
+              <a:latin typeface="Lora"/>
+              <a:ea typeface="Lora"/>
+              <a:cs typeface="Lora"/>
+              <a:sym typeface="Lora"/>
+            </a:endParaRPr>
+          </a:p>
+          <a:p>
+            <a:pPr indent="0" lvl="0" marL="457200" rtl="0" algn="l">
+              <a:lnSpc>
+                <a:spcPct val="115000"/>
+              </a:lnSpc>
+              <a:spcBef>
+                <a:spcPts val="1200"/>
+              </a:spcBef>
+              <a:spcAft>
+                <a:spcPts val="0"/>
+              </a:spcAft>
+              <a:buNone/>
+            </a:pPr>
+            <a:r>
+              <a:t/>
+            </a:r>
+            <a:endParaRPr sz="2100">
+              <a:solidFill>
+                <a:srgbClr val="24292E"/>
+              </a:solidFill>
+              <a:latin typeface="Lora"/>
+              <a:ea typeface="Lora"/>
+              <a:cs typeface="Lora"/>
+              <a:sym typeface="Lora"/>
+            </a:endParaRPr>
+          </a:p>
+          <a:p>
+            <a:pPr indent="0" lvl="0" marL="457200" rtl="0" algn="l">
+              <a:lnSpc>
+                <a:spcPct val="115000"/>
+              </a:lnSpc>
+              <a:spcBef>
+                <a:spcPts val="1200"/>
+              </a:spcBef>
+              <a:spcAft>
+                <a:spcPts val="0"/>
+              </a:spcAft>
+              <a:buNone/>
+            </a:pPr>
+            <a:r>
+              <a:rPr lang="en" sz="2100">
+                <a:solidFill>
+                  <a:srgbClr val="24292E"/>
+                </a:solidFill>
+                <a:latin typeface="Lora"/>
+                <a:ea typeface="Lora"/>
+                <a:cs typeface="Lora"/>
+                <a:sym typeface="Lora"/>
+              </a:rPr>
+              <a:t>5. Conclusion</a:t>
+            </a:r>
+            <a:endParaRPr sz="2100">
+              <a:solidFill>
+                <a:srgbClr val="24292E"/>
+              </a:solidFill>
+              <a:latin typeface="Lora"/>
+              <a:ea typeface="Lora"/>
+              <a:cs typeface="Lora"/>
+              <a:sym typeface="Lora"/>
+            </a:endParaRPr>
+          </a:p>
+          <a:p>
+            <a:pPr indent="0" lvl="0" marL="0" rtl="0" algn="l">
+              <a:lnSpc>
+                <a:spcPct val="115000"/>
+              </a:lnSpc>
+              <a:spcBef>
+                <a:spcPts val="1200"/>
+              </a:spcBef>
+              <a:spcAft>
+                <a:spcPts val="1200"/>
+              </a:spcAft>
+              <a:buNone/>
+            </a:pPr>
+            <a:r>
+              <a:t/>
+            </a:r>
+            <a:endParaRPr sz="2100">
+              <a:solidFill>
+                <a:srgbClr val="24292E"/>
+              </a:solidFill>
+              <a:latin typeface="Lora"/>
+              <a:ea typeface="Lora"/>
+              <a:cs typeface="Lora"/>
+              <a:sym typeface="Lora"/>
+            </a:endParaRPr>
+          </a:p>
+        </p:txBody>
+      </p:sp>
+    </p:spTree>
+  </p:cSld>
+  <p:clrMapOvr>
+    <a:masterClrMapping/>
+  </p:clrMapOvr>
+</p:sld>
+</file>
+
+<file path=ppt/slides/slide3.xml><?xml version="1.0" encoding="utf-8"?>
+<p:sld xmlns:a="http://schemas.openxmlformats.org/drawingml/2006/main" xmlns:r="http://schemas.openxmlformats.org/officeDocument/2006/relationships" xmlns:mc="http://schemas.openxmlformats.org/markup-compatibility/2006" xmlns:mv="urn:schemas-microsoft-com:mac:vml" xmlns:p="http://schemas.openxmlformats.org/presentationml/2006/main" xmlns:c="http://schemas.openxmlformats.org/drawingml/2006/chart" xmlns:dgm="http://schemas.openxmlformats.org/drawingml/2006/diagram" xmlns:o="urn:schemas-microsoft-com:office:office" xmlns:v="urn:schemas-microsoft-com:vml" xmlns:pvml="urn:schemas-microsoft-com:office:powerpoint" xmlns:com="http://schemas.openxmlformats.org/drawingml/2006/compatibility" xmlns:p14="http://schemas.microsoft.com/office/powerpoint/2010/main" xmlns:p15="http://schemas.microsoft.com/office/powerpoint/2012/main" xmlns:ahyp="http://schemas.microsoft.com/office/drawing/2018/hyperlinkcolor">
+  <p:cSld>
+    <p:spTree>
+      <p:nvGrpSpPr>
+        <p:cNvPr id="97" name="Shape 97"/>
+        <p:cNvGrpSpPr/>
+        <p:nvPr/>
+      </p:nvGrpSpPr>
+      <p:grpSpPr>
+        <a:xfrm>
+          <a:off x="0" y="0"/>
+          <a:ext cx="0" cy="0"/>
+          <a:chOff x="0" y="0"/>
+          <a:chExt cx="0" cy="0"/>
+        </a:xfrm>
+      </p:grpSpPr>
+      <p:sp>
+        <p:nvSpPr>
+          <p:cNvPr id="98" name="Google Shape;98;p15"/>
+          <p:cNvSpPr txBox="1"/>
+          <p:nvPr/>
+        </p:nvSpPr>
+        <p:spPr>
+          <a:xfrm>
             <a:off x="729450" y="1318650"/>
             <a:ext cx="7688700" cy="535200"/>
           </a:xfrm>
@@ -10153,7 +11475,7 @@
       </p:sp>
       <p:sp>
         <p:nvSpPr>
-          <p:cNvPr id="92" name="Google Shape;92;p14"/>
+          <p:cNvPr id="99" name="Google Shape;99;p15"/>
           <p:cNvSpPr txBox="1"/>
           <p:nvPr/>
         </p:nvSpPr>
@@ -10268,139 +11590,6 @@
               <a:t/>
             </a:r>
             <a:endParaRPr sz="1100">
-              <a:latin typeface="Lato"/>
-              <a:ea typeface="Lato"/>
-              <a:cs typeface="Lato"/>
-              <a:sym typeface="Lato"/>
-            </a:endParaRPr>
-          </a:p>
-        </p:txBody>
-      </p:sp>
-    </p:spTree>
-  </p:cSld>
-  <p:clrMapOvr>
-    <a:masterClrMapping/>
-  </p:clrMapOvr>
-</p:sld>
-</file>
-
-<file path=ppt/slides/slide3.xml><?xml version="1.0" encoding="utf-8"?>
-<p:sld xmlns:a="http://schemas.openxmlformats.org/drawingml/2006/main" xmlns:r="http://schemas.openxmlformats.org/officeDocument/2006/relationships" xmlns:mc="http://schemas.openxmlformats.org/markup-compatibility/2006" xmlns:mv="urn:schemas-microsoft-com:mac:vml" xmlns:p="http://schemas.openxmlformats.org/presentationml/2006/main" xmlns:c="http://schemas.openxmlformats.org/drawingml/2006/chart" xmlns:dgm="http://schemas.openxmlformats.org/drawingml/2006/diagram" xmlns:o="urn:schemas-microsoft-com:office:office" xmlns:v="urn:schemas-microsoft-com:vml" xmlns:pvml="urn:schemas-microsoft-com:office:powerpoint" xmlns:com="http://schemas.openxmlformats.org/drawingml/2006/compatibility" xmlns:p14="http://schemas.microsoft.com/office/powerpoint/2010/main" xmlns:p15="http://schemas.microsoft.com/office/powerpoint/2012/main" xmlns:ahyp="http://schemas.microsoft.com/office/drawing/2018/hyperlinkcolor">
-  <p:cSld>
-    <p:spTree>
-      <p:nvGrpSpPr>
-        <p:cNvPr id="96" name="Shape 96"/>
-        <p:cNvGrpSpPr/>
-        <p:nvPr/>
-      </p:nvGrpSpPr>
-      <p:grpSpPr>
-        <a:xfrm>
-          <a:off x="0" y="0"/>
-          <a:ext cx="0" cy="0"/>
-          <a:chOff x="0" y="0"/>
-          <a:chExt cx="0" cy="0"/>
-        </a:xfrm>
-      </p:grpSpPr>
-      <p:pic>
-        <p:nvPicPr>
-          <p:cNvPr id="97" name="Google Shape;97;p15"/>
-          <p:cNvPicPr preferRelativeResize="0"/>
-          <p:nvPr/>
-        </p:nvPicPr>
-        <p:blipFill>
-          <a:blip r:embed="rId3">
-            <a:alphaModFix/>
-          </a:blip>
-          <a:stretch>
-            <a:fillRect/>
-          </a:stretch>
-        </p:blipFill>
-        <p:spPr>
-          <a:xfrm>
-            <a:off x="259825" y="1656261"/>
-            <a:ext cx="4158450" cy="1122526"/>
-          </a:xfrm>
-          <a:prstGeom prst="rect">
-            <a:avLst/>
-          </a:prstGeom>
-          <a:noFill/>
-          <a:ln>
-            <a:noFill/>
-          </a:ln>
-        </p:spPr>
-      </p:pic>
-      <p:pic>
-        <p:nvPicPr>
-          <p:cNvPr id="98" name="Google Shape;98;p15"/>
-          <p:cNvPicPr preferRelativeResize="0"/>
-          <p:nvPr/>
-        </p:nvPicPr>
-        <p:blipFill>
-          <a:blip r:embed="rId4">
-            <a:alphaModFix/>
-          </a:blip>
-          <a:stretch>
-            <a:fillRect/>
-          </a:stretch>
-        </p:blipFill>
-        <p:spPr>
-          <a:xfrm>
-            <a:off x="4572000" y="497238"/>
-            <a:ext cx="4158450" cy="3198800"/>
-          </a:xfrm>
-          <a:prstGeom prst="rect">
-            <a:avLst/>
-          </a:prstGeom>
-          <a:noFill/>
-          <a:ln>
-            <a:noFill/>
-          </a:ln>
-        </p:spPr>
-      </p:pic>
-      <p:sp>
-        <p:nvSpPr>
-          <p:cNvPr id="99" name="Google Shape;99;p15"/>
-          <p:cNvSpPr txBox="1"/>
-          <p:nvPr/>
-        </p:nvSpPr>
-        <p:spPr>
-          <a:xfrm>
-            <a:off x="510325" y="3934825"/>
-            <a:ext cx="7829400" cy="800400"/>
-          </a:xfrm>
-          <a:prstGeom prst="rect">
-            <a:avLst/>
-          </a:prstGeom>
-          <a:noFill/>
-          <a:ln>
-            <a:noFill/>
-          </a:ln>
-        </p:spPr>
-        <p:txBody>
-          <a:bodyPr anchorCtr="0" anchor="t" bIns="91425" lIns="91425" spcFirstLastPara="1" rIns="91425" wrap="square" tIns="91425">
-            <a:spAutoFit/>
-          </a:bodyPr>
-          <a:lstStyle/>
-          <a:p>
-            <a:pPr indent="0" lvl="0" marL="0" rtl="0" algn="l">
-              <a:spcBef>
-                <a:spcPts val="0"/>
-              </a:spcBef>
-              <a:spcAft>
-                <a:spcPts val="0"/>
-              </a:spcAft>
-              <a:buNone/>
-            </a:pPr>
-            <a:r>
-              <a:rPr lang="en" sz="2000">
-                <a:latin typeface="Lato"/>
-                <a:ea typeface="Lato"/>
-                <a:cs typeface="Lato"/>
-                <a:sym typeface="Lato"/>
-              </a:rPr>
-              <a:t>The answer is 12 (selling the sub-stocks of length 2+3 gives a 5+7=12 profit or of length 1+2+2 gives a 2+5+5=12 profit ). </a:t>
-            </a:r>
-            <a:endParaRPr sz="2000">
               <a:latin typeface="Lato"/>
               <a:ea typeface="Lato"/>
               <a:cs typeface="Lato"/>
@@ -10434,9 +11623,142 @@
           <a:chExt cx="0" cy="0"/>
         </a:xfrm>
       </p:grpSpPr>
+      <p:pic>
+        <p:nvPicPr>
+          <p:cNvPr id="104" name="Google Shape;104;p16"/>
+          <p:cNvPicPr preferRelativeResize="0"/>
+          <p:nvPr/>
+        </p:nvPicPr>
+        <p:blipFill>
+          <a:blip r:embed="rId3">
+            <a:alphaModFix/>
+          </a:blip>
+          <a:stretch>
+            <a:fillRect/>
+          </a:stretch>
+        </p:blipFill>
+        <p:spPr>
+          <a:xfrm>
+            <a:off x="259825" y="1656261"/>
+            <a:ext cx="4158450" cy="1122526"/>
+          </a:xfrm>
+          <a:prstGeom prst="rect">
+            <a:avLst/>
+          </a:prstGeom>
+          <a:noFill/>
+          <a:ln>
+            <a:noFill/>
+          </a:ln>
+        </p:spPr>
+      </p:pic>
+      <p:pic>
+        <p:nvPicPr>
+          <p:cNvPr id="105" name="Google Shape;105;p16"/>
+          <p:cNvPicPr preferRelativeResize="0"/>
+          <p:nvPr/>
+        </p:nvPicPr>
+        <p:blipFill>
+          <a:blip r:embed="rId4">
+            <a:alphaModFix/>
+          </a:blip>
+          <a:stretch>
+            <a:fillRect/>
+          </a:stretch>
+        </p:blipFill>
+        <p:spPr>
+          <a:xfrm>
+            <a:off x="4572000" y="497238"/>
+            <a:ext cx="4158450" cy="3198800"/>
+          </a:xfrm>
+          <a:prstGeom prst="rect">
+            <a:avLst/>
+          </a:prstGeom>
+          <a:noFill/>
+          <a:ln>
+            <a:noFill/>
+          </a:ln>
+        </p:spPr>
+      </p:pic>
       <p:sp>
         <p:nvSpPr>
-          <p:cNvPr id="104" name="Google Shape;104;p16"/>
+          <p:cNvPr id="106" name="Google Shape;106;p16"/>
+          <p:cNvSpPr txBox="1"/>
+          <p:nvPr/>
+        </p:nvSpPr>
+        <p:spPr>
+          <a:xfrm>
+            <a:off x="510325" y="3934825"/>
+            <a:ext cx="7829400" cy="800400"/>
+          </a:xfrm>
+          <a:prstGeom prst="rect">
+            <a:avLst/>
+          </a:prstGeom>
+          <a:noFill/>
+          <a:ln>
+            <a:noFill/>
+          </a:ln>
+        </p:spPr>
+        <p:txBody>
+          <a:bodyPr anchorCtr="0" anchor="t" bIns="91425" lIns="91425" spcFirstLastPara="1" rIns="91425" wrap="square" tIns="91425">
+            <a:spAutoFit/>
+          </a:bodyPr>
+          <a:lstStyle/>
+          <a:p>
+            <a:pPr indent="0" lvl="0" marL="0" rtl="0" algn="l">
+              <a:spcBef>
+                <a:spcPts val="0"/>
+              </a:spcBef>
+              <a:spcAft>
+                <a:spcPts val="0"/>
+              </a:spcAft>
+              <a:buNone/>
+            </a:pPr>
+            <a:r>
+              <a:rPr lang="en" sz="2000">
+                <a:latin typeface="Lato"/>
+                <a:ea typeface="Lato"/>
+                <a:cs typeface="Lato"/>
+                <a:sym typeface="Lato"/>
+              </a:rPr>
+              <a:t>The answer is 12 (selling the sub-stocks of length 2+3 gives a 5+7=12 profit or of length 1+2+2 gives a 2+5+5=12 profit ). </a:t>
+            </a:r>
+            <a:endParaRPr sz="2000">
+              <a:latin typeface="Lato"/>
+              <a:ea typeface="Lato"/>
+              <a:cs typeface="Lato"/>
+              <a:sym typeface="Lato"/>
+            </a:endParaRPr>
+          </a:p>
+        </p:txBody>
+      </p:sp>
+    </p:spTree>
+  </p:cSld>
+  <p:clrMapOvr>
+    <a:masterClrMapping/>
+  </p:clrMapOvr>
+</p:sld>
+</file>
+
+<file path=ppt/slides/slide5.xml><?xml version="1.0" encoding="utf-8"?>
+<p:sld xmlns:a="http://schemas.openxmlformats.org/drawingml/2006/main" xmlns:r="http://schemas.openxmlformats.org/officeDocument/2006/relationships" xmlns:mc="http://schemas.openxmlformats.org/markup-compatibility/2006" xmlns:mv="urn:schemas-microsoft-com:mac:vml" xmlns:p="http://schemas.openxmlformats.org/presentationml/2006/main" xmlns:c="http://schemas.openxmlformats.org/drawingml/2006/chart" xmlns:dgm="http://schemas.openxmlformats.org/drawingml/2006/diagram" xmlns:o="urn:schemas-microsoft-com:office:office" xmlns:v="urn:schemas-microsoft-com:vml" xmlns:pvml="urn:schemas-microsoft-com:office:powerpoint" xmlns:com="http://schemas.openxmlformats.org/drawingml/2006/compatibility" xmlns:p14="http://schemas.microsoft.com/office/powerpoint/2010/main" xmlns:p15="http://schemas.microsoft.com/office/powerpoint/2012/main" xmlns:ahyp="http://schemas.microsoft.com/office/drawing/2018/hyperlinkcolor">
+  <p:cSld>
+    <p:spTree>
+      <p:nvGrpSpPr>
+        <p:cNvPr id="110" name="Shape 110"/>
+        <p:cNvGrpSpPr/>
+        <p:nvPr/>
+      </p:nvGrpSpPr>
+      <p:grpSpPr>
+        <a:xfrm>
+          <a:off x="0" y="0"/>
+          <a:ext cx="0" cy="0"/>
+          <a:chOff x="0" y="0"/>
+          <a:chExt cx="0" cy="0"/>
+        </a:xfrm>
+      </p:grpSpPr>
+      <p:sp>
+        <p:nvSpPr>
+          <p:cNvPr id="111" name="Google Shape;111;p17"/>
           <p:cNvSpPr txBox="1"/>
           <p:nvPr/>
         </p:nvSpPr>
@@ -10488,7 +11810,7 @@
       </p:sp>
       <p:sp>
         <p:nvSpPr>
-          <p:cNvPr id="105" name="Google Shape;105;p16"/>
+          <p:cNvPr id="112" name="Google Shape;112;p17"/>
           <p:cNvSpPr txBox="1"/>
           <p:nvPr/>
         </p:nvSpPr>
@@ -10547,157 +11869,6 @@
           </a:p>
         </p:txBody>
       </p:sp>
-    </p:spTree>
-  </p:cSld>
-  <p:clrMapOvr>
-    <a:masterClrMapping/>
-  </p:clrMapOvr>
-</p:sld>
-</file>
-
-<file path=ppt/slides/slide5.xml><?xml version="1.0" encoding="utf-8"?>
-<p:sld xmlns:a="http://schemas.openxmlformats.org/drawingml/2006/main" xmlns:r="http://schemas.openxmlformats.org/officeDocument/2006/relationships" xmlns:mc="http://schemas.openxmlformats.org/markup-compatibility/2006" xmlns:mv="urn:schemas-microsoft-com:mac:vml" xmlns:p="http://schemas.openxmlformats.org/presentationml/2006/main" xmlns:c="http://schemas.openxmlformats.org/drawingml/2006/chart" xmlns:dgm="http://schemas.openxmlformats.org/drawingml/2006/diagram" xmlns:o="urn:schemas-microsoft-com:office:office" xmlns:v="urn:schemas-microsoft-com:vml" xmlns:pvml="urn:schemas-microsoft-com:office:powerpoint" xmlns:com="http://schemas.openxmlformats.org/drawingml/2006/compatibility" xmlns:p14="http://schemas.microsoft.com/office/powerpoint/2010/main" xmlns:p15="http://schemas.microsoft.com/office/powerpoint/2012/main" xmlns:ahyp="http://schemas.microsoft.com/office/drawing/2018/hyperlinkcolor">
-  <p:cSld>
-    <p:spTree>
-      <p:nvGrpSpPr>
-        <p:cNvPr id="109" name="Shape 109"/>
-        <p:cNvGrpSpPr/>
-        <p:nvPr/>
-      </p:nvGrpSpPr>
-      <p:grpSpPr>
-        <a:xfrm>
-          <a:off x="0" y="0"/>
-          <a:ext cx="0" cy="0"/>
-          <a:chOff x="0" y="0"/>
-          <a:chExt cx="0" cy="0"/>
-        </a:xfrm>
-      </p:grpSpPr>
-      <p:sp>
-        <p:nvSpPr>
-          <p:cNvPr id="110" name="Google Shape;110;p17"/>
-          <p:cNvSpPr txBox="1"/>
-          <p:nvPr/>
-        </p:nvSpPr>
-        <p:spPr>
-          <a:xfrm>
-            <a:off x="3142475" y="976600"/>
-            <a:ext cx="4270500" cy="661800"/>
-          </a:xfrm>
-          <a:prstGeom prst="rect">
-            <a:avLst/>
-          </a:prstGeom>
-          <a:noFill/>
-          <a:ln>
-            <a:noFill/>
-          </a:ln>
-        </p:spPr>
-        <p:txBody>
-          <a:bodyPr anchorCtr="0" anchor="t" bIns="91425" lIns="91425" spcFirstLastPara="1" rIns="91425" wrap="square" tIns="91425">
-            <a:spAutoFit/>
-          </a:bodyPr>
-          <a:lstStyle/>
-          <a:p>
-            <a:pPr indent="0" lvl="0" marL="0" rtl="0" algn="l">
-              <a:spcBef>
-                <a:spcPts val="0"/>
-              </a:spcBef>
-              <a:spcAft>
-                <a:spcPts val="0"/>
-              </a:spcAft>
-              <a:buNone/>
-            </a:pPr>
-            <a:r>
-              <a:t/>
-            </a:r>
-            <a:endParaRPr b="1" sz="3100">
-              <a:latin typeface="Lato"/>
-              <a:ea typeface="Lato"/>
-              <a:cs typeface="Lato"/>
-              <a:sym typeface="Lato"/>
-            </a:endParaRPr>
-          </a:p>
-        </p:txBody>
-      </p:sp>
-      <p:sp>
-        <p:nvSpPr>
-          <p:cNvPr id="111" name="Google Shape;111;p17"/>
-          <p:cNvSpPr txBox="1"/>
-          <p:nvPr/>
-        </p:nvSpPr>
-        <p:spPr>
-          <a:xfrm>
-            <a:off x="2900025" y="470025"/>
-            <a:ext cx="7883100" cy="631200"/>
-          </a:xfrm>
-          <a:prstGeom prst="rect">
-            <a:avLst/>
-          </a:prstGeom>
-          <a:noFill/>
-          <a:ln>
-            <a:noFill/>
-          </a:ln>
-        </p:spPr>
-        <p:txBody>
-          <a:bodyPr anchorCtr="0" anchor="t" bIns="91425" lIns="91425" spcFirstLastPara="1" rIns="91425" wrap="square" tIns="91425">
-            <a:spAutoFit/>
-          </a:bodyPr>
-          <a:lstStyle/>
-          <a:p>
-            <a:pPr indent="0" lvl="0" marL="0" rtl="0" algn="l">
-              <a:spcBef>
-                <a:spcPts val="0"/>
-              </a:spcBef>
-              <a:spcAft>
-                <a:spcPts val="0"/>
-              </a:spcAft>
-              <a:buNone/>
-            </a:pPr>
-            <a:r>
-              <a:rPr b="1" lang="en" sz="2900">
-                <a:latin typeface="Montserrat"/>
-                <a:ea typeface="Montserrat"/>
-                <a:cs typeface="Montserrat"/>
-                <a:sym typeface="Montserrat"/>
-              </a:rPr>
-              <a:t>PSEUDO CODE</a:t>
-            </a:r>
-            <a:endParaRPr b="1" sz="2900">
-              <a:latin typeface="Montserrat"/>
-              <a:ea typeface="Montserrat"/>
-              <a:cs typeface="Montserrat"/>
-              <a:sym typeface="Montserrat"/>
-            </a:endParaRPr>
-          </a:p>
-        </p:txBody>
-      </p:sp>
-      <p:pic>
-        <p:nvPicPr>
-          <p:cNvPr id="112" name="Google Shape;112;p17"/>
-          <p:cNvPicPr preferRelativeResize="0"/>
-          <p:nvPr/>
-        </p:nvPicPr>
-        <p:blipFill>
-          <a:blip r:embed="rId3">
-            <a:alphaModFix/>
-          </a:blip>
-          <a:stretch>
-            <a:fillRect/>
-          </a:stretch>
-        </p:blipFill>
-        <p:spPr>
-          <a:xfrm>
-            <a:off x="2717450" y="1181000"/>
-            <a:ext cx="3607850" cy="3820100"/>
-          </a:xfrm>
-          <a:prstGeom prst="rect">
-            <a:avLst/>
-          </a:prstGeom>
-          <a:noFill/>
-          <a:ln>
-            <a:noFill/>
-          </a:ln>
-        </p:spPr>
-      </p:pic>
     </p:spTree>
   </p:cSld>
   <p:clrMapOvr>
@@ -10777,8 +11948,8 @@
         </p:nvSpPr>
         <p:spPr>
           <a:xfrm>
-            <a:off x="630450" y="685575"/>
-            <a:ext cx="7883100" cy="4386900"/>
+            <a:off x="2900025" y="470025"/>
+            <a:ext cx="7883100" cy="631200"/>
           </a:xfrm>
           <a:prstGeom prst="rect">
             <a:avLst/>
@@ -10804,212 +11975,51 @@
               <a:buNone/>
             </a:pPr>
             <a:r>
-              <a:rPr lang="en" sz="2900">
-                <a:latin typeface="Lato"/>
-                <a:ea typeface="Lato"/>
-                <a:cs typeface="Lato"/>
-                <a:sym typeface="Lato"/>
-              </a:rPr>
-              <a:t>                                      </a:t>
-            </a:r>
-            <a:r>
               <a:rPr b="1" lang="en" sz="2900">
                 <a:latin typeface="Montserrat"/>
                 <a:ea typeface="Montserrat"/>
                 <a:cs typeface="Montserrat"/>
                 <a:sym typeface="Montserrat"/>
               </a:rPr>
-              <a:t>T</a:t>
-            </a:r>
-            <a:r>
-              <a:rPr b="1" lang="en" sz="2200">
-                <a:latin typeface="Montserrat"/>
-                <a:ea typeface="Montserrat"/>
-                <a:cs typeface="Montserrat"/>
-                <a:sym typeface="Montserrat"/>
-              </a:rPr>
-              <a:t>ime Complexity: </a:t>
-            </a:r>
-            <a:endParaRPr b="1" sz="2200">
+              <a:t>PSEUDO CODE</a:t>
+            </a:r>
+            <a:endParaRPr b="1" sz="2900">
               <a:latin typeface="Montserrat"/>
               <a:ea typeface="Montserrat"/>
               <a:cs typeface="Montserrat"/>
               <a:sym typeface="Montserrat"/>
             </a:endParaRPr>
           </a:p>
-          <a:p>
-            <a:pPr indent="0" lvl="0" marL="0" rtl="0" algn="l">
-              <a:spcBef>
-                <a:spcPts val="0"/>
-              </a:spcBef>
-              <a:spcAft>
-                <a:spcPts val="0"/>
-              </a:spcAft>
-              <a:buNone/>
-            </a:pPr>
-            <a:r>
-              <a:t/>
-            </a:r>
-            <a:endParaRPr sz="1200">
-              <a:latin typeface="Lato"/>
-              <a:ea typeface="Lato"/>
-              <a:cs typeface="Lato"/>
-              <a:sym typeface="Lato"/>
-            </a:endParaRPr>
-          </a:p>
-          <a:p>
-            <a:pPr indent="0" lvl="0" marL="0" rtl="0" algn="l">
-              <a:spcBef>
-                <a:spcPts val="0"/>
-              </a:spcBef>
-              <a:spcAft>
-                <a:spcPts val="0"/>
-              </a:spcAft>
-              <a:buNone/>
-            </a:pPr>
-            <a:r>
-              <a:rPr lang="en" sz="2200">
-                <a:latin typeface="Lato"/>
-                <a:ea typeface="Lato"/>
-                <a:cs typeface="Lato"/>
-                <a:sym typeface="Lato"/>
-              </a:rPr>
-              <a:t>This method involves generating all the subsets for a given set of elements. The total number of subsets possible for a given set of elements is given by 2</a:t>
-            </a:r>
-            <a:r>
-              <a:rPr baseline="30000" lang="en" sz="2200">
-                <a:latin typeface="Lato"/>
-                <a:ea typeface="Lato"/>
-                <a:cs typeface="Lato"/>
-                <a:sym typeface="Lato"/>
-              </a:rPr>
-              <a:t>n</a:t>
-            </a:r>
-            <a:r>
-              <a:rPr lang="en" sz="2200">
-                <a:latin typeface="Lato"/>
-                <a:ea typeface="Lato"/>
-                <a:cs typeface="Lato"/>
-                <a:sym typeface="Lato"/>
-              </a:rPr>
-              <a:t> (where n is the number of elements). Thus this solution is Exponential in terms of time complexity. </a:t>
-            </a:r>
-            <a:endParaRPr sz="2200">
-              <a:latin typeface="Lato"/>
-              <a:ea typeface="Lato"/>
-              <a:cs typeface="Lato"/>
-              <a:sym typeface="Lato"/>
-            </a:endParaRPr>
-          </a:p>
-          <a:p>
-            <a:pPr indent="0" lvl="0" marL="0" rtl="0" algn="l">
-              <a:spcBef>
-                <a:spcPts val="0"/>
-              </a:spcBef>
-              <a:spcAft>
-                <a:spcPts val="0"/>
-              </a:spcAft>
-              <a:buNone/>
-            </a:pPr>
-            <a:r>
-              <a:rPr lang="en" sz="2200">
-                <a:latin typeface="Lato"/>
-                <a:ea typeface="Lato"/>
-                <a:cs typeface="Lato"/>
-                <a:sym typeface="Lato"/>
-              </a:rPr>
-              <a:t>                                                  </a:t>
-            </a:r>
-            <a:endParaRPr sz="2200">
-              <a:latin typeface="Lato"/>
-              <a:ea typeface="Lato"/>
-              <a:cs typeface="Lato"/>
-              <a:sym typeface="Lato"/>
-            </a:endParaRPr>
-          </a:p>
-          <a:p>
-            <a:pPr indent="0" lvl="0" marL="0" rtl="0" algn="l">
-              <a:spcBef>
-                <a:spcPts val="0"/>
-              </a:spcBef>
-              <a:spcAft>
-                <a:spcPts val="0"/>
-              </a:spcAft>
-              <a:buNone/>
-            </a:pPr>
-            <a:r>
-              <a:rPr lang="en" sz="2200">
-                <a:latin typeface="Lato"/>
-                <a:ea typeface="Lato"/>
-                <a:cs typeface="Lato"/>
-                <a:sym typeface="Lato"/>
-              </a:rPr>
-              <a:t>                                                  </a:t>
-            </a:r>
-            <a:r>
-              <a:rPr b="1" lang="en" sz="2200">
-                <a:latin typeface="Montserrat"/>
-                <a:ea typeface="Montserrat"/>
-                <a:cs typeface="Montserrat"/>
-                <a:sym typeface="Montserrat"/>
-              </a:rPr>
-              <a:t>Space Complexity: </a:t>
-            </a:r>
-            <a:endParaRPr b="1" sz="2200">
-              <a:latin typeface="Montserrat"/>
-              <a:ea typeface="Montserrat"/>
-              <a:cs typeface="Montserrat"/>
-              <a:sym typeface="Montserrat"/>
-            </a:endParaRPr>
-          </a:p>
-          <a:p>
-            <a:pPr indent="0" lvl="0" marL="0" rtl="0" algn="l">
-              <a:spcBef>
-                <a:spcPts val="0"/>
-              </a:spcBef>
-              <a:spcAft>
-                <a:spcPts val="0"/>
-              </a:spcAft>
-              <a:buNone/>
-            </a:pPr>
-            <a:r>
-              <a:t/>
-            </a:r>
-            <a:endParaRPr b="1" sz="1200">
-              <a:latin typeface="Montserrat"/>
-              <a:ea typeface="Montserrat"/>
-              <a:cs typeface="Montserrat"/>
-              <a:sym typeface="Montserrat"/>
-            </a:endParaRPr>
-          </a:p>
-          <a:p>
-            <a:pPr indent="0" lvl="0" marL="0" rtl="0" algn="l">
-              <a:spcBef>
-                <a:spcPts val="0"/>
-              </a:spcBef>
-              <a:spcAft>
-                <a:spcPts val="0"/>
-              </a:spcAft>
-              <a:buNone/>
-            </a:pPr>
-            <a:r>
-              <a:rPr lang="en" sz="2200">
-                <a:latin typeface="Lato"/>
-                <a:ea typeface="Lato"/>
-                <a:cs typeface="Lato"/>
-                <a:sym typeface="Lato"/>
-              </a:rPr>
-              <a:t>There are two arrays of length n which are given to us. The number of variables involved in the recursive function are constant. Thus the space complexity would be O(n).</a:t>
-            </a:r>
-            <a:endParaRPr sz="2200">
-              <a:latin typeface="Lato"/>
-              <a:ea typeface="Lato"/>
-              <a:cs typeface="Lato"/>
-              <a:sym typeface="Lato"/>
-            </a:endParaRPr>
-          </a:p>
         </p:txBody>
       </p:sp>
+      <p:pic>
+        <p:nvPicPr>
+          <p:cNvPr id="119" name="Google Shape;119;p18"/>
+          <p:cNvPicPr preferRelativeResize="0"/>
+          <p:nvPr/>
+        </p:nvPicPr>
+        <p:blipFill>
+          <a:blip r:embed="rId3">
+            <a:alphaModFix/>
+          </a:blip>
+          <a:stretch>
+            <a:fillRect/>
+          </a:stretch>
+        </p:blipFill>
+        <p:spPr>
+          <a:xfrm>
+            <a:off x="2717450" y="1181000"/>
+            <a:ext cx="3607850" cy="3820100"/>
+          </a:xfrm>
+          <a:prstGeom prst="rect">
+            <a:avLst/>
+          </a:prstGeom>
+          <a:noFill/>
+          <a:ln>
+            <a:noFill/>
+          </a:ln>
+        </p:spPr>
+      </p:pic>
     </p:spTree>
   </p:cSld>
   <p:clrMapOvr>
@@ -11023,7 +12033,7 @@
   <p:cSld>
     <p:spTree>
       <p:nvGrpSpPr>
-        <p:cNvPr id="122" name="Shape 122"/>
+        <p:cNvPr id="123" name="Shape 123"/>
         <p:cNvGrpSpPr/>
         <p:nvPr/>
       </p:nvGrpSpPr>
@@ -11037,7 +12047,7 @@
       </p:grpSpPr>
       <p:sp>
         <p:nvSpPr>
-          <p:cNvPr id="123" name="Google Shape;123;p19"/>
+          <p:cNvPr id="124" name="Google Shape;124;p19"/>
           <p:cNvSpPr txBox="1"/>
           <p:nvPr/>
         </p:nvSpPr>
@@ -11070,6 +12080,318 @@
               <a:buNone/>
             </a:pPr>
             <a:r>
+              <a:t/>
+            </a:r>
+            <a:endParaRPr b="1" sz="3100">
+              <a:latin typeface="Lato"/>
+              <a:ea typeface="Lato"/>
+              <a:cs typeface="Lato"/>
+              <a:sym typeface="Lato"/>
+            </a:endParaRPr>
+          </a:p>
+        </p:txBody>
+      </p:sp>
+      <p:sp>
+        <p:nvSpPr>
+          <p:cNvPr id="125" name="Google Shape;125;p19"/>
+          <p:cNvSpPr txBox="1"/>
+          <p:nvPr/>
+        </p:nvSpPr>
+        <p:spPr>
+          <a:xfrm>
+            <a:off x="630450" y="685575"/>
+            <a:ext cx="7883100" cy="4386900"/>
+          </a:xfrm>
+          <a:prstGeom prst="rect">
+            <a:avLst/>
+          </a:prstGeom>
+          <a:noFill/>
+          <a:ln>
+            <a:noFill/>
+          </a:ln>
+        </p:spPr>
+        <p:txBody>
+          <a:bodyPr anchorCtr="0" anchor="t" bIns="91425" lIns="91425" spcFirstLastPara="1" rIns="91425" wrap="square" tIns="91425">
+            <a:spAutoFit/>
+          </a:bodyPr>
+          <a:lstStyle/>
+          <a:p>
+            <a:pPr indent="0" lvl="0" marL="0" rtl="0" algn="l">
+              <a:spcBef>
+                <a:spcPts val="0"/>
+              </a:spcBef>
+              <a:spcAft>
+                <a:spcPts val="0"/>
+              </a:spcAft>
+              <a:buNone/>
+            </a:pPr>
+            <a:r>
+              <a:rPr lang="en" sz="2900">
+                <a:latin typeface="Lato"/>
+                <a:ea typeface="Lato"/>
+                <a:cs typeface="Lato"/>
+                <a:sym typeface="Lato"/>
+              </a:rPr>
+              <a:t>                                      </a:t>
+            </a:r>
+            <a:r>
+              <a:rPr b="1" lang="en" sz="2900">
+                <a:latin typeface="Montserrat"/>
+                <a:ea typeface="Montserrat"/>
+                <a:cs typeface="Montserrat"/>
+                <a:sym typeface="Montserrat"/>
+              </a:rPr>
+              <a:t>T</a:t>
+            </a:r>
+            <a:r>
+              <a:rPr b="1" lang="en" sz="2200">
+                <a:latin typeface="Montserrat"/>
+                <a:ea typeface="Montserrat"/>
+                <a:cs typeface="Montserrat"/>
+                <a:sym typeface="Montserrat"/>
+              </a:rPr>
+              <a:t>ime Complexity: </a:t>
+            </a:r>
+            <a:endParaRPr b="1" sz="2200">
+              <a:latin typeface="Montserrat"/>
+              <a:ea typeface="Montserrat"/>
+              <a:cs typeface="Montserrat"/>
+              <a:sym typeface="Montserrat"/>
+            </a:endParaRPr>
+          </a:p>
+          <a:p>
+            <a:pPr indent="0" lvl="0" marL="0" rtl="0" algn="l">
+              <a:spcBef>
+                <a:spcPts val="0"/>
+              </a:spcBef>
+              <a:spcAft>
+                <a:spcPts val="0"/>
+              </a:spcAft>
+              <a:buNone/>
+            </a:pPr>
+            <a:r>
+              <a:t/>
+            </a:r>
+            <a:endParaRPr sz="1200">
+              <a:latin typeface="Lato"/>
+              <a:ea typeface="Lato"/>
+              <a:cs typeface="Lato"/>
+              <a:sym typeface="Lato"/>
+            </a:endParaRPr>
+          </a:p>
+          <a:p>
+            <a:pPr indent="0" lvl="0" marL="0" rtl="0" algn="l">
+              <a:spcBef>
+                <a:spcPts val="0"/>
+              </a:spcBef>
+              <a:spcAft>
+                <a:spcPts val="0"/>
+              </a:spcAft>
+              <a:buNone/>
+            </a:pPr>
+            <a:r>
+              <a:rPr lang="en" sz="2200">
+                <a:latin typeface="Lato"/>
+                <a:ea typeface="Lato"/>
+                <a:cs typeface="Lato"/>
+                <a:sym typeface="Lato"/>
+              </a:rPr>
+              <a:t>This method involves generating all the subsets for a given set of elements. The total number of subsets possible for a given set of elements is given by 2</a:t>
+            </a:r>
+            <a:r>
+              <a:rPr baseline="30000" lang="en" sz="2200">
+                <a:latin typeface="Lato"/>
+                <a:ea typeface="Lato"/>
+                <a:cs typeface="Lato"/>
+                <a:sym typeface="Lato"/>
+              </a:rPr>
+              <a:t>n</a:t>
+            </a:r>
+            <a:r>
+              <a:rPr lang="en" sz="2200">
+                <a:latin typeface="Lato"/>
+                <a:ea typeface="Lato"/>
+                <a:cs typeface="Lato"/>
+                <a:sym typeface="Lato"/>
+              </a:rPr>
+              <a:t> (where n is the number of elements). Thus this solution is Exponential in terms of time complexity. </a:t>
+            </a:r>
+            <a:endParaRPr sz="2200">
+              <a:latin typeface="Lato"/>
+              <a:ea typeface="Lato"/>
+              <a:cs typeface="Lato"/>
+              <a:sym typeface="Lato"/>
+            </a:endParaRPr>
+          </a:p>
+          <a:p>
+            <a:pPr indent="0" lvl="0" marL="0" rtl="0" algn="l">
+              <a:spcBef>
+                <a:spcPts val="0"/>
+              </a:spcBef>
+              <a:spcAft>
+                <a:spcPts val="0"/>
+              </a:spcAft>
+              <a:buNone/>
+            </a:pPr>
+            <a:r>
+              <a:rPr lang="en" sz="2200">
+                <a:latin typeface="Lato"/>
+                <a:ea typeface="Lato"/>
+                <a:cs typeface="Lato"/>
+                <a:sym typeface="Lato"/>
+              </a:rPr>
+              <a:t>                                                  </a:t>
+            </a:r>
+            <a:endParaRPr sz="2200">
+              <a:latin typeface="Lato"/>
+              <a:ea typeface="Lato"/>
+              <a:cs typeface="Lato"/>
+              <a:sym typeface="Lato"/>
+            </a:endParaRPr>
+          </a:p>
+          <a:p>
+            <a:pPr indent="0" lvl="0" marL="0" rtl="0" algn="l">
+              <a:spcBef>
+                <a:spcPts val="0"/>
+              </a:spcBef>
+              <a:spcAft>
+                <a:spcPts val="0"/>
+              </a:spcAft>
+              <a:buNone/>
+            </a:pPr>
+            <a:r>
+              <a:rPr lang="en" sz="2200">
+                <a:latin typeface="Lato"/>
+                <a:ea typeface="Lato"/>
+                <a:cs typeface="Lato"/>
+                <a:sym typeface="Lato"/>
+              </a:rPr>
+              <a:t>                                                  </a:t>
+            </a:r>
+            <a:r>
+              <a:rPr b="1" lang="en" sz="2200">
+                <a:latin typeface="Montserrat"/>
+                <a:ea typeface="Montserrat"/>
+                <a:cs typeface="Montserrat"/>
+                <a:sym typeface="Montserrat"/>
+              </a:rPr>
+              <a:t>Space Complexity: </a:t>
+            </a:r>
+            <a:endParaRPr b="1" sz="2200">
+              <a:latin typeface="Montserrat"/>
+              <a:ea typeface="Montserrat"/>
+              <a:cs typeface="Montserrat"/>
+              <a:sym typeface="Montserrat"/>
+            </a:endParaRPr>
+          </a:p>
+          <a:p>
+            <a:pPr indent="0" lvl="0" marL="0" rtl="0" algn="l">
+              <a:spcBef>
+                <a:spcPts val="0"/>
+              </a:spcBef>
+              <a:spcAft>
+                <a:spcPts val="0"/>
+              </a:spcAft>
+              <a:buNone/>
+            </a:pPr>
+            <a:r>
+              <a:t/>
+            </a:r>
+            <a:endParaRPr b="1" sz="1200">
+              <a:latin typeface="Montserrat"/>
+              <a:ea typeface="Montserrat"/>
+              <a:cs typeface="Montserrat"/>
+              <a:sym typeface="Montserrat"/>
+            </a:endParaRPr>
+          </a:p>
+          <a:p>
+            <a:pPr indent="0" lvl="0" marL="0" rtl="0" algn="l">
+              <a:spcBef>
+                <a:spcPts val="0"/>
+              </a:spcBef>
+              <a:spcAft>
+                <a:spcPts val="0"/>
+              </a:spcAft>
+              <a:buNone/>
+            </a:pPr>
+            <a:r>
+              <a:rPr lang="en" sz="2200">
+                <a:latin typeface="Lato"/>
+                <a:ea typeface="Lato"/>
+                <a:cs typeface="Lato"/>
+                <a:sym typeface="Lato"/>
+              </a:rPr>
+              <a:t>There are two arrays of length n which are given to us. The number of variables involved in the recursive function are constant. Thus the space complexity would be O(n).</a:t>
+            </a:r>
+            <a:endParaRPr sz="2200">
+              <a:latin typeface="Lato"/>
+              <a:ea typeface="Lato"/>
+              <a:cs typeface="Lato"/>
+              <a:sym typeface="Lato"/>
+            </a:endParaRPr>
+          </a:p>
+        </p:txBody>
+      </p:sp>
+    </p:spTree>
+  </p:cSld>
+  <p:clrMapOvr>
+    <a:masterClrMapping/>
+  </p:clrMapOvr>
+</p:sld>
+</file>
+
+<file path=ppt/slides/slide8.xml><?xml version="1.0" encoding="utf-8"?>
+<p:sld xmlns:a="http://schemas.openxmlformats.org/drawingml/2006/main" xmlns:r="http://schemas.openxmlformats.org/officeDocument/2006/relationships" xmlns:mc="http://schemas.openxmlformats.org/markup-compatibility/2006" xmlns:mv="urn:schemas-microsoft-com:mac:vml" xmlns:p="http://schemas.openxmlformats.org/presentationml/2006/main" xmlns:c="http://schemas.openxmlformats.org/drawingml/2006/chart" xmlns:dgm="http://schemas.openxmlformats.org/drawingml/2006/diagram" xmlns:o="urn:schemas-microsoft-com:office:office" xmlns:v="urn:schemas-microsoft-com:vml" xmlns:pvml="urn:schemas-microsoft-com:office:powerpoint" xmlns:com="http://schemas.openxmlformats.org/drawingml/2006/compatibility" xmlns:p14="http://schemas.microsoft.com/office/powerpoint/2010/main" xmlns:p15="http://schemas.microsoft.com/office/powerpoint/2012/main" xmlns:ahyp="http://schemas.microsoft.com/office/drawing/2018/hyperlinkcolor">
+  <p:cSld>
+    <p:spTree>
+      <p:nvGrpSpPr>
+        <p:cNvPr id="129" name="Shape 129"/>
+        <p:cNvGrpSpPr/>
+        <p:nvPr/>
+      </p:nvGrpSpPr>
+      <p:grpSpPr>
+        <a:xfrm>
+          <a:off x="0" y="0"/>
+          <a:ext cx="0" cy="0"/>
+          <a:chOff x="0" y="0"/>
+          <a:chExt cx="0" cy="0"/>
+        </a:xfrm>
+      </p:grpSpPr>
+      <p:sp>
+        <p:nvSpPr>
+          <p:cNvPr id="130" name="Google Shape;130;p20"/>
+          <p:cNvSpPr txBox="1"/>
+          <p:nvPr/>
+        </p:nvSpPr>
+        <p:spPr>
+          <a:xfrm>
+            <a:off x="3142475" y="976600"/>
+            <a:ext cx="4270500" cy="661800"/>
+          </a:xfrm>
+          <a:prstGeom prst="rect">
+            <a:avLst/>
+          </a:prstGeom>
+          <a:noFill/>
+          <a:ln>
+            <a:noFill/>
+          </a:ln>
+        </p:spPr>
+        <p:txBody>
+          <a:bodyPr anchorCtr="0" anchor="t" bIns="91425" lIns="91425" spcFirstLastPara="1" rIns="91425" wrap="square" tIns="91425">
+            <a:spAutoFit/>
+          </a:bodyPr>
+          <a:lstStyle/>
+          <a:p>
+            <a:pPr indent="0" lvl="0" marL="0" rtl="0" algn="l">
+              <a:spcBef>
+                <a:spcPts val="0"/>
+              </a:spcBef>
+              <a:spcAft>
+                <a:spcPts val="0"/>
+              </a:spcAft>
+              <a:buNone/>
+            </a:pPr>
+            <a:r>
               <a:rPr b="1" lang="en" sz="3100">
                 <a:latin typeface="Montserrat"/>
                 <a:ea typeface="Montserrat"/>
@@ -11089,7 +12411,7 @@
       </p:sp>
       <p:sp>
         <p:nvSpPr>
-          <p:cNvPr id="124" name="Google Shape;124;p19"/>
+          <p:cNvPr id="131" name="Google Shape;131;p20"/>
           <p:cNvSpPr txBox="1"/>
           <p:nvPr/>
         </p:nvSpPr>
@@ -11202,12 +12524,12 @@
 </p:sld>
 </file>
 
-<file path=ppt/slides/slide8.xml><?xml version="1.0" encoding="utf-8"?>
+<file path=ppt/slides/slide9.xml><?xml version="1.0" encoding="utf-8"?>
 <p:sld xmlns:a="http://schemas.openxmlformats.org/drawingml/2006/main" xmlns:r="http://schemas.openxmlformats.org/officeDocument/2006/relationships" xmlns:mc="http://schemas.openxmlformats.org/markup-compatibility/2006" xmlns:mv="urn:schemas-microsoft-com:mac:vml" xmlns:p="http://schemas.openxmlformats.org/presentationml/2006/main" xmlns:c="http://schemas.openxmlformats.org/drawingml/2006/chart" xmlns:dgm="http://schemas.openxmlformats.org/drawingml/2006/diagram" xmlns:o="urn:schemas-microsoft-com:office:office" xmlns:v="urn:schemas-microsoft-com:vml" xmlns:pvml="urn:schemas-microsoft-com:office:powerpoint" xmlns:com="http://schemas.openxmlformats.org/drawingml/2006/compatibility" xmlns:p14="http://schemas.microsoft.com/office/powerpoint/2010/main" xmlns:p15="http://schemas.microsoft.com/office/powerpoint/2012/main" xmlns:ahyp="http://schemas.microsoft.com/office/drawing/2018/hyperlinkcolor">
   <p:cSld>
     <p:spTree>
       <p:nvGrpSpPr>
-        <p:cNvPr id="128" name="Shape 128"/>
+        <p:cNvPr id="135" name="Shape 135"/>
         <p:cNvGrpSpPr/>
         <p:nvPr/>
       </p:nvGrpSpPr>
@@ -11221,7 +12543,7 @@
       </p:grpSpPr>
       <p:sp>
         <p:nvSpPr>
-          <p:cNvPr id="129" name="Google Shape;129;p20"/>
+          <p:cNvPr id="136" name="Google Shape;136;p21"/>
           <p:cNvSpPr txBox="1"/>
           <p:nvPr/>
         </p:nvSpPr>
@@ -11267,7 +12589,7 @@
       </p:sp>
       <p:sp>
         <p:nvSpPr>
-          <p:cNvPr id="130" name="Google Shape;130;p20"/>
+          <p:cNvPr id="137" name="Google Shape;137;p21"/>
           <p:cNvSpPr txBox="1"/>
           <p:nvPr/>
         </p:nvSpPr>
@@ -11319,7 +12641,7 @@
       </p:sp>
       <p:pic>
         <p:nvPicPr>
-          <p:cNvPr id="131" name="Google Shape;131;p20"/>
+          <p:cNvPr id="138" name="Google Shape;138;p21"/>
           <p:cNvPicPr preferRelativeResize="0"/>
           <p:nvPr/>
         </p:nvPicPr>
@@ -11347,7 +12669,7 @@
       </p:pic>
       <p:pic>
         <p:nvPicPr>
-          <p:cNvPr id="132" name="Google Shape;132;p20"/>
+          <p:cNvPr id="139" name="Google Shape;139;p21"/>
           <p:cNvPicPr preferRelativeResize="0"/>
           <p:nvPr/>
         </p:nvPicPr>
@@ -11374,7 +12696,7 @@
       </p:pic>
       <p:pic>
         <p:nvPicPr>
-          <p:cNvPr id="133" name="Google Shape;133;p20"/>
+          <p:cNvPr id="140" name="Google Shape;140;p21"/>
           <p:cNvPicPr preferRelativeResize="0"/>
           <p:nvPr/>
         </p:nvPicPr>
@@ -11401,7 +12723,7 @@
       </p:pic>
       <p:sp>
         <p:nvSpPr>
-          <p:cNvPr id="134" name="Google Shape;134;p20"/>
+          <p:cNvPr id="141" name="Google Shape;141;p21"/>
           <p:cNvSpPr/>
           <p:nvPr/>
         </p:nvSpPr>
@@ -11450,373 +12772,286 @@
 </p:sld>
 </file>
 
-<file path=ppt/slides/slide9.xml><?xml version="1.0" encoding="utf-8"?>
-<p:sld xmlns:a="http://schemas.openxmlformats.org/drawingml/2006/main" xmlns:r="http://schemas.openxmlformats.org/officeDocument/2006/relationships" xmlns:mc="http://schemas.openxmlformats.org/markup-compatibility/2006" xmlns:mv="urn:schemas-microsoft-com:mac:vml" xmlns:p="http://schemas.openxmlformats.org/presentationml/2006/main" xmlns:c="http://schemas.openxmlformats.org/drawingml/2006/chart" xmlns:dgm="http://schemas.openxmlformats.org/drawingml/2006/diagram" xmlns:o="urn:schemas-microsoft-com:office:office" xmlns:v="urn:schemas-microsoft-com:vml" xmlns:pvml="urn:schemas-microsoft-com:office:powerpoint" xmlns:com="http://schemas.openxmlformats.org/drawingml/2006/compatibility" xmlns:p14="http://schemas.microsoft.com/office/powerpoint/2010/main" xmlns:p15="http://schemas.microsoft.com/office/powerpoint/2012/main" xmlns:ahyp="http://schemas.microsoft.com/office/drawing/2018/hyperlinkcolor">
-  <p:cSld>
-    <p:spTree>
-      <p:nvGrpSpPr>
-        <p:cNvPr id="138" name="Shape 138"/>
-        <p:cNvGrpSpPr/>
-        <p:nvPr/>
-      </p:nvGrpSpPr>
-      <p:grpSpPr>
-        <a:xfrm>
-          <a:off x="0" y="0"/>
-          <a:ext cx="0" cy="0"/>
-          <a:chOff x="0" y="0"/>
-          <a:chExt cx="0" cy="0"/>
-        </a:xfrm>
-      </p:grpSpPr>
-      <p:sp>
-        <p:nvSpPr>
-          <p:cNvPr id="139" name="Google Shape;139;p21"/>
-          <p:cNvSpPr txBox="1"/>
-          <p:nvPr/>
-        </p:nvSpPr>
-        <p:spPr>
-          <a:xfrm>
-            <a:off x="3142475" y="976600"/>
-            <a:ext cx="4270500" cy="661800"/>
-          </a:xfrm>
-          <a:prstGeom prst="rect">
-            <a:avLst/>
-          </a:prstGeom>
-          <a:noFill/>
-          <a:ln>
-            <a:noFill/>
-          </a:ln>
-        </p:spPr>
-        <p:txBody>
-          <a:bodyPr anchorCtr="0" anchor="t" bIns="91425" lIns="91425" spcFirstLastPara="1" rIns="91425" wrap="square" tIns="91425">
-            <a:spAutoFit/>
-          </a:bodyPr>
-          <a:lstStyle/>
-          <a:p>
-            <a:pPr indent="0" lvl="0" marL="0" rtl="0" algn="l">
-              <a:spcBef>
-                <a:spcPts val="0"/>
-              </a:spcBef>
-              <a:spcAft>
-                <a:spcPts val="0"/>
-              </a:spcAft>
-              <a:buNone/>
-            </a:pPr>
-            <a:r>
-              <a:t/>
-            </a:r>
-            <a:endParaRPr b="1" sz="3100">
-              <a:latin typeface="Lato"/>
-              <a:ea typeface="Lato"/>
-              <a:cs typeface="Lato"/>
-              <a:sym typeface="Lato"/>
-            </a:endParaRPr>
-          </a:p>
-        </p:txBody>
-      </p:sp>
-      <p:sp>
-        <p:nvSpPr>
-          <p:cNvPr id="140" name="Google Shape;140;p21"/>
-          <p:cNvSpPr txBox="1"/>
-          <p:nvPr/>
-        </p:nvSpPr>
-        <p:spPr>
-          <a:xfrm>
-            <a:off x="684175" y="976600"/>
-            <a:ext cx="7883100" cy="3771000"/>
-          </a:xfrm>
-          <a:prstGeom prst="rect">
-            <a:avLst/>
-          </a:prstGeom>
-          <a:noFill/>
-          <a:ln>
-            <a:noFill/>
-          </a:ln>
-        </p:spPr>
-        <p:txBody>
-          <a:bodyPr anchorCtr="0" anchor="t" bIns="91425" lIns="91425" spcFirstLastPara="1" rIns="91425" wrap="square" tIns="91425">
-            <a:spAutoFit/>
-          </a:bodyPr>
-          <a:lstStyle/>
-          <a:p>
-            <a:pPr indent="0" lvl="0" marL="0" rtl="0" algn="l">
-              <a:spcBef>
-                <a:spcPts val="0"/>
-              </a:spcBef>
-              <a:spcAft>
-                <a:spcPts val="0"/>
-              </a:spcAft>
-              <a:buNone/>
-            </a:pPr>
-            <a:r>
-              <a:rPr lang="en" sz="2900">
-                <a:latin typeface="Lato"/>
-                <a:ea typeface="Lato"/>
-                <a:cs typeface="Lato"/>
-                <a:sym typeface="Lato"/>
-              </a:rPr>
-              <a:t>                                      </a:t>
-            </a:r>
-            <a:r>
-              <a:rPr b="1" lang="en" sz="2900">
-                <a:latin typeface="Montserrat"/>
-                <a:ea typeface="Montserrat"/>
-                <a:cs typeface="Montserrat"/>
-                <a:sym typeface="Montserrat"/>
-              </a:rPr>
-              <a:t>T</a:t>
-            </a:r>
-            <a:r>
-              <a:rPr b="1" lang="en" sz="2200">
-                <a:latin typeface="Montserrat"/>
-                <a:ea typeface="Montserrat"/>
-                <a:cs typeface="Montserrat"/>
-                <a:sym typeface="Montserrat"/>
-              </a:rPr>
-              <a:t>ime Complexity: </a:t>
-            </a:r>
-            <a:endParaRPr b="1" sz="2200">
-              <a:latin typeface="Montserrat"/>
-              <a:ea typeface="Montserrat"/>
-              <a:cs typeface="Montserrat"/>
-              <a:sym typeface="Montserrat"/>
-            </a:endParaRPr>
-          </a:p>
-          <a:p>
-            <a:pPr indent="0" lvl="0" marL="0" rtl="0" algn="l">
-              <a:spcBef>
-                <a:spcPts val="0"/>
-              </a:spcBef>
-              <a:spcAft>
-                <a:spcPts val="0"/>
-              </a:spcAft>
-              <a:buNone/>
-            </a:pPr>
-            <a:r>
-              <a:t/>
-            </a:r>
-            <a:endParaRPr sz="1200">
-              <a:latin typeface="Lato"/>
-              <a:ea typeface="Lato"/>
-              <a:cs typeface="Lato"/>
-              <a:sym typeface="Lato"/>
-            </a:endParaRPr>
-          </a:p>
-          <a:p>
-            <a:pPr indent="0" lvl="0" marL="0" rtl="0" algn="l">
-              <a:spcBef>
-                <a:spcPts val="0"/>
-              </a:spcBef>
-              <a:spcAft>
-                <a:spcPts val="0"/>
-              </a:spcAft>
-              <a:buNone/>
-            </a:pPr>
-            <a:r>
-              <a:rPr lang="en" sz="1800">
-                <a:latin typeface="Lato"/>
-                <a:ea typeface="Lato"/>
-                <a:cs typeface="Lato"/>
-                <a:sym typeface="Lato"/>
-              </a:rPr>
-              <a:t>In this method all the redundant calculations are avoided. Thus we are left with two nested recursive calls in which the value of n reduces by 1 in every function call, uptill 0 . Thus the time complexity for this algorithm is O(n</a:t>
-            </a:r>
-            <a:r>
-              <a:rPr baseline="30000" lang="en" sz="1800">
-                <a:latin typeface="Lato"/>
-                <a:ea typeface="Lato"/>
-                <a:cs typeface="Lato"/>
-                <a:sym typeface="Lato"/>
-              </a:rPr>
-              <a:t> 2</a:t>
-            </a:r>
-            <a:r>
-              <a:rPr lang="en" sz="1800">
-                <a:latin typeface="Lato"/>
-                <a:ea typeface="Lato"/>
-                <a:cs typeface="Lato"/>
-                <a:sym typeface="Lato"/>
-              </a:rPr>
-              <a:t> ). </a:t>
-            </a:r>
-            <a:endParaRPr sz="1800">
-              <a:latin typeface="Lato"/>
-              <a:ea typeface="Lato"/>
-              <a:cs typeface="Lato"/>
-              <a:sym typeface="Lato"/>
-            </a:endParaRPr>
-          </a:p>
-          <a:p>
-            <a:pPr indent="0" lvl="0" marL="0" rtl="0" algn="l">
-              <a:spcBef>
-                <a:spcPts val="0"/>
-              </a:spcBef>
-              <a:spcAft>
-                <a:spcPts val="0"/>
-              </a:spcAft>
-              <a:buNone/>
-            </a:pPr>
-            <a:r>
-              <a:rPr lang="en" sz="2200">
-                <a:latin typeface="Lato"/>
-                <a:ea typeface="Lato"/>
-                <a:cs typeface="Lato"/>
-                <a:sym typeface="Lato"/>
-              </a:rPr>
-              <a:t>                                                  </a:t>
-            </a:r>
-            <a:endParaRPr sz="2200">
-              <a:latin typeface="Lato"/>
-              <a:ea typeface="Lato"/>
-              <a:cs typeface="Lato"/>
-              <a:sym typeface="Lato"/>
-            </a:endParaRPr>
-          </a:p>
-          <a:p>
-            <a:pPr indent="0" lvl="0" marL="0" rtl="0" algn="l">
-              <a:spcBef>
-                <a:spcPts val="0"/>
-              </a:spcBef>
-              <a:spcAft>
-                <a:spcPts val="0"/>
-              </a:spcAft>
-              <a:buNone/>
-            </a:pPr>
-            <a:r>
-              <a:rPr lang="en" sz="2200">
-                <a:latin typeface="Lato"/>
-                <a:ea typeface="Lato"/>
-                <a:cs typeface="Lato"/>
-                <a:sym typeface="Lato"/>
-              </a:rPr>
-              <a:t>                                                  </a:t>
-            </a:r>
-            <a:r>
-              <a:rPr b="1" lang="en" sz="2200">
-                <a:latin typeface="Montserrat"/>
-                <a:ea typeface="Montserrat"/>
-                <a:cs typeface="Montserrat"/>
-                <a:sym typeface="Montserrat"/>
-              </a:rPr>
-              <a:t>Space Complexity: </a:t>
-            </a:r>
-            <a:endParaRPr b="1" sz="2200">
-              <a:latin typeface="Montserrat"/>
-              <a:ea typeface="Montserrat"/>
-              <a:cs typeface="Montserrat"/>
-              <a:sym typeface="Montserrat"/>
-            </a:endParaRPr>
-          </a:p>
-          <a:p>
-            <a:pPr indent="0" lvl="0" marL="0" rtl="0" algn="l">
-              <a:spcBef>
-                <a:spcPts val="0"/>
-              </a:spcBef>
-              <a:spcAft>
-                <a:spcPts val="0"/>
-              </a:spcAft>
-              <a:buNone/>
-            </a:pPr>
-            <a:r>
-              <a:t/>
-            </a:r>
-            <a:endParaRPr b="1" sz="2200">
-              <a:latin typeface="Montserrat"/>
-              <a:ea typeface="Montserrat"/>
-              <a:cs typeface="Montserrat"/>
-              <a:sym typeface="Montserrat"/>
-            </a:endParaRPr>
-          </a:p>
-          <a:p>
-            <a:pPr indent="0" lvl="0" marL="0" rtl="0" algn="l">
-              <a:spcBef>
-                <a:spcPts val="0"/>
-              </a:spcBef>
-              <a:spcAft>
-                <a:spcPts val="0"/>
-              </a:spcAft>
-              <a:buNone/>
-            </a:pPr>
-            <a:r>
-              <a:rPr lang="en" sz="1800">
-                <a:latin typeface="Lato"/>
-                <a:ea typeface="Lato"/>
-                <a:cs typeface="Lato"/>
-                <a:sym typeface="Lato"/>
-              </a:rPr>
-              <a:t>There are two arrays of length n which are given to us. We then declare a 2-D array of size NxN. There is some stack memory used in the recursive functions in which the auxiliary space required is significantly lower than O(n </a:t>
-            </a:r>
-            <a:r>
-              <a:rPr baseline="30000" lang="en" sz="1800">
-                <a:latin typeface="Lato"/>
-                <a:ea typeface="Lato"/>
-                <a:cs typeface="Lato"/>
-                <a:sym typeface="Lato"/>
-              </a:rPr>
-              <a:t>2</a:t>
-            </a:r>
-            <a:r>
-              <a:rPr lang="en" sz="1800">
-                <a:latin typeface="Lato"/>
-                <a:ea typeface="Lato"/>
-                <a:cs typeface="Lato"/>
-                <a:sym typeface="Lato"/>
-              </a:rPr>
-              <a:t> ). Thus the overall space complexity for the algorithm would be O(n) + O(n</a:t>
-            </a:r>
-            <a:r>
-              <a:rPr baseline="30000" lang="en" sz="1800">
-                <a:latin typeface="Lato"/>
-                <a:ea typeface="Lato"/>
-                <a:cs typeface="Lato"/>
-                <a:sym typeface="Lato"/>
-              </a:rPr>
-              <a:t>2</a:t>
-            </a:r>
-            <a:r>
-              <a:rPr lang="en" sz="1800">
-                <a:latin typeface="Lato"/>
-                <a:ea typeface="Lato"/>
-                <a:cs typeface="Lato"/>
-                <a:sym typeface="Lato"/>
-              </a:rPr>
-              <a:t> ) ≈ O(n</a:t>
-            </a:r>
-            <a:r>
-              <a:rPr baseline="30000" lang="en" sz="1800">
-                <a:latin typeface="Lato"/>
-                <a:ea typeface="Lato"/>
-                <a:cs typeface="Lato"/>
-                <a:sym typeface="Lato"/>
-              </a:rPr>
-              <a:t>2</a:t>
-            </a:r>
-            <a:r>
-              <a:rPr lang="en" sz="1800">
-                <a:latin typeface="Lato"/>
-                <a:ea typeface="Lato"/>
-                <a:cs typeface="Lato"/>
-                <a:sym typeface="Lato"/>
-              </a:rPr>
-              <a:t> ). </a:t>
-            </a:r>
-            <a:endParaRPr sz="1800">
-              <a:latin typeface="Lato"/>
-              <a:ea typeface="Lato"/>
-              <a:cs typeface="Lato"/>
-              <a:sym typeface="Lato"/>
-            </a:endParaRPr>
-          </a:p>
-        </p:txBody>
-      </p:sp>
-    </p:spTree>
-  </p:cSld>
-  <p:clrMapOvr>
-    <a:masterClrMapping/>
-  </p:clrMapOvr>
-</p:sld>
+<file path=ppt/theme/theme1.xml><?xml version="1.0" encoding="utf-8"?>
+<a:theme xmlns:a="http://schemas.openxmlformats.org/drawingml/2006/main" xmlns:r="http://schemas.openxmlformats.org/officeDocument/2006/relationships" name="Streamline">
+  <a:themeElements>
+    <a:clrScheme name="Streamline">
+      <a:dk1>
+        <a:srgbClr val="1A9988"/>
+      </a:dk1>
+      <a:lt1>
+        <a:srgbClr val="FFFFFF"/>
+      </a:lt1>
+      <a:dk2>
+        <a:srgbClr val="1A1A1A"/>
+      </a:dk2>
+      <a:lt2>
+        <a:srgbClr val="E9EDEE"/>
+      </a:lt2>
+      <a:accent1>
+        <a:srgbClr val="595959"/>
+      </a:accent1>
+      <a:accent2>
+        <a:srgbClr val="6AA4C8"/>
+      </a:accent2>
+      <a:accent3>
+        <a:srgbClr val="EB5600"/>
+      </a:accent3>
+      <a:accent4>
+        <a:srgbClr val="A2FFE8"/>
+      </a:accent4>
+      <a:accent5>
+        <a:srgbClr val="1C3678"/>
+      </a:accent5>
+      <a:accent6>
+        <a:srgbClr val="FFB8A2"/>
+      </a:accent6>
+      <a:hlink>
+        <a:srgbClr val="1C3678"/>
+      </a:hlink>
+      <a:folHlink>
+        <a:srgbClr val="1C3678"/>
+      </a:folHlink>
+    </a:clrScheme>
+    <a:fontScheme name="Office">
+      <a:majorFont>
+        <a:latin typeface="Arial"/>
+        <a:ea typeface=""/>
+        <a:cs typeface=""/>
+        <a:font script="Jpan" typeface="ＭＳ Ｐゴシック"/>
+        <a:font script="Hang" typeface="맑은 고딕"/>
+        <a:font script="Hans" typeface="宋体"/>
+        <a:font script="Hant" typeface="新細明體"/>
+        <a:font script="Arab" typeface="Times New Roman"/>
+        <a:font script="Hebr" typeface="Times New Roman"/>
+        <a:font script="Thai" typeface="Angsana New"/>
+        <a:font script="Ethi" typeface="Nyala"/>
+        <a:font script="Beng" typeface="Vrinda"/>
+        <a:font script="Gujr" typeface="Shruti"/>
+        <a:font script="Khmr" typeface="MoolBoran"/>
+        <a:font script="Knda" typeface="Tunga"/>
+        <a:font script="Guru" typeface="Raavi"/>
+        <a:font script="Cans" typeface="Euphemia"/>
+        <a:font script="Cher" typeface="Plantagenet Cherokee"/>
+        <a:font script="Yiii" typeface="Microsoft Yi Baiti"/>
+        <a:font script="Tibt" typeface="Microsoft Himalaya"/>
+        <a:font script="Thaa" typeface="MV Boli"/>
+        <a:font script="Deva" typeface="Mangal"/>
+        <a:font script="Telu" typeface="Gautami"/>
+        <a:font script="Taml" typeface="Latha"/>
+        <a:font script="Syrc" typeface="Estrangelo Edessa"/>
+        <a:font script="Orya" typeface="Kalinga"/>
+        <a:font script="Mlym" typeface="Kartika"/>
+        <a:font script="Laoo" typeface="DokChampa"/>
+        <a:font script="Sinh" typeface="Iskoola Pota"/>
+        <a:font script="Mong" typeface="Mongolian Baiti"/>
+        <a:font script="Viet" typeface="Times New Roman"/>
+        <a:font script="Uigh" typeface="Microsoft Uighur"/>
+        <a:font script="Geor" typeface="Sylfaen"/>
+      </a:majorFont>
+      <a:minorFont>
+        <a:latin typeface="Arial"/>
+        <a:ea typeface=""/>
+        <a:cs typeface=""/>
+        <a:font script="Jpan" typeface="ＭＳ Ｐゴシック"/>
+        <a:font script="Hang" typeface="맑은 고딕"/>
+        <a:font script="Hans" typeface="宋体"/>
+        <a:font script="Hant" typeface="新細明體"/>
+        <a:font script="Arab" typeface="Arial"/>
+        <a:font script="Hebr" typeface="Arial"/>
+        <a:font script="Thai" typeface="Cordia New"/>
+        <a:font script="Ethi" typeface="Nyala"/>
+        <a:font script="Beng" typeface="Vrinda"/>
+        <a:font script="Gujr" typeface="Shruti"/>
+        <a:font script="Khmr" typeface="DaunPenh"/>
+        <a:font script="Knda" typeface="Tunga"/>
+        <a:font script="Guru" typeface="Raavi"/>
+        <a:font script="Cans" typeface="Euphemia"/>
+        <a:font script="Cher" typeface="Plantagenet Cherokee"/>
+        <a:font script="Yiii" typeface="Microsoft Yi Baiti"/>
+        <a:font script="Tibt" typeface="Microsoft Himalaya"/>
+        <a:font script="Thaa" typeface="MV Boli"/>
+        <a:font script="Deva" typeface="Mangal"/>
+        <a:font script="Telu" typeface="Gautami"/>
+        <a:font script="Taml" typeface="Latha"/>
+        <a:font script="Syrc" typeface="Estrangelo Edessa"/>
+        <a:font script="Orya" typeface="Kalinga"/>
+        <a:font script="Mlym" typeface="Kartika"/>
+        <a:font script="Laoo" typeface="DokChampa"/>
+        <a:font script="Sinh" typeface="Iskoola Pota"/>
+        <a:font script="Mong" typeface="Mongolian Baiti"/>
+        <a:font script="Viet" typeface="Arial"/>
+        <a:font script="Uigh" typeface="Microsoft Uighur"/>
+        <a:font script="Geor" typeface="Sylfaen"/>
+      </a:minorFont>
+    </a:fontScheme>
+    <a:fmtScheme name="Office">
+      <a:fillStyleLst>
+        <a:solidFill>
+          <a:schemeClr val="phClr"/>
+        </a:solidFill>
+        <a:gradFill rotWithShape="1">
+          <a:gsLst>
+            <a:gs pos="0">
+              <a:schemeClr val="phClr">
+                <a:tint val="50000"/>
+                <a:satMod val="300000"/>
+              </a:schemeClr>
+            </a:gs>
+            <a:gs pos="35000">
+              <a:schemeClr val="phClr">
+                <a:tint val="37000"/>
+                <a:satMod val="300000"/>
+              </a:schemeClr>
+            </a:gs>
+            <a:gs pos="100000">
+              <a:schemeClr val="phClr">
+                <a:tint val="15000"/>
+                <a:satMod val="350000"/>
+              </a:schemeClr>
+            </a:gs>
+          </a:gsLst>
+          <a:lin ang="16200000" scaled="1"/>
+        </a:gradFill>
+        <a:gradFill rotWithShape="1">
+          <a:gsLst>
+            <a:gs pos="0">
+              <a:schemeClr val="phClr">
+                <a:tint val="100000"/>
+                <a:shade val="100000"/>
+                <a:satMod val="130000"/>
+              </a:schemeClr>
+            </a:gs>
+            <a:gs pos="100000">
+              <a:schemeClr val="phClr">
+                <a:tint val="50000"/>
+                <a:shade val="100000"/>
+                <a:satMod val="350000"/>
+              </a:schemeClr>
+            </a:gs>
+          </a:gsLst>
+          <a:lin ang="16200000" scaled="0"/>
+        </a:gradFill>
+      </a:fillStyleLst>
+      <a:lnStyleLst>
+        <a:ln w="9525" cap="flat" cmpd="sng" algn="ctr">
+          <a:solidFill>
+            <a:schemeClr val="phClr">
+              <a:shade val="95000"/>
+              <a:satMod val="105000"/>
+            </a:schemeClr>
+          </a:solidFill>
+          <a:prstDash val="solid"/>
+        </a:ln>
+        <a:ln w="25400" cap="flat" cmpd="sng" algn="ctr">
+          <a:solidFill>
+            <a:schemeClr val="phClr"/>
+          </a:solidFill>
+          <a:prstDash val="solid"/>
+        </a:ln>
+        <a:ln w="38100" cap="flat" cmpd="sng" algn="ctr">
+          <a:solidFill>
+            <a:schemeClr val="phClr"/>
+          </a:solidFill>
+          <a:prstDash val="solid"/>
+        </a:ln>
+      </a:lnStyleLst>
+      <a:effectStyleLst>
+        <a:effectStyle>
+          <a:effectLst>
+            <a:outerShdw blurRad="40000" dist="20000" dir="5400000" rotWithShape="0">
+              <a:srgbClr val="000000">
+                <a:alpha val="38000"/>
+              </a:srgbClr>
+            </a:outerShdw>
+          </a:effectLst>
+        </a:effectStyle>
+        <a:effectStyle>
+          <a:effectLst>
+            <a:outerShdw blurRad="40000" dist="23000" dir="5400000" rotWithShape="0">
+              <a:srgbClr val="000000">
+                <a:alpha val="35000"/>
+              </a:srgbClr>
+            </a:outerShdw>
+          </a:effectLst>
+        </a:effectStyle>
+        <a:effectStyle>
+          <a:effectLst>
+            <a:outerShdw blurRad="40000" dist="23000" dir="5400000" rotWithShape="0">
+              <a:srgbClr val="000000">
+                <a:alpha val="35000"/>
+              </a:srgbClr>
+            </a:outerShdw>
+          </a:effectLst>
+          <a:scene3d>
+            <a:camera prst="orthographicFront">
+              <a:rot lat="0" lon="0" rev="0"/>
+            </a:camera>
+            <a:lightRig rig="threePt" dir="t">
+              <a:rot lat="0" lon="0" rev="1200000"/>
+            </a:lightRig>
+          </a:scene3d>
+          <a:sp3d>
+            <a:bevelT w="63500" h="25400"/>
+          </a:sp3d>
+        </a:effectStyle>
+      </a:effectStyleLst>
+      <a:bgFillStyleLst>
+        <a:solidFill>
+          <a:schemeClr val="phClr"/>
+        </a:solidFill>
+        <a:gradFill rotWithShape="1">
+          <a:gsLst>
+            <a:gs pos="0">
+              <a:schemeClr val="phClr">
+                <a:tint val="40000"/>
+                <a:satMod val="350000"/>
+              </a:schemeClr>
+            </a:gs>
+            <a:gs pos="40000">
+              <a:schemeClr val="phClr">
+                <a:tint val="45000"/>
+                <a:shade val="99000"/>
+                <a:satMod val="350000"/>
+              </a:schemeClr>
+            </a:gs>
+            <a:gs pos="100000">
+              <a:schemeClr val="phClr">
+                <a:shade val="20000"/>
+                <a:satMod val="255000"/>
+              </a:schemeClr>
+            </a:gs>
+          </a:gsLst>
+          <a:path path="circle">
+            <a:fillToRect l="50000" t="-80000" r="50000" b="180000"/>
+          </a:path>
+        </a:gradFill>
+        <a:gradFill rotWithShape="1">
+          <a:gsLst>
+            <a:gs pos="0">
+              <a:schemeClr val="phClr">
+                <a:tint val="80000"/>
+                <a:satMod val="300000"/>
+              </a:schemeClr>
+            </a:gs>
+            <a:gs pos="100000">
+              <a:schemeClr val="phClr">
+                <a:shade val="30000"/>
+                <a:satMod val="200000"/>
+              </a:schemeClr>
+            </a:gs>
+          </a:gsLst>
+          <a:path path="circle">
+            <a:fillToRect l="50000" t="50000" r="50000" b="50000"/>
+          </a:path>
+        </a:gradFill>
+      </a:bgFillStyleLst>
+    </a:fmtScheme>
+  </a:themeElements>
+</a:theme>
 </file>
 
-<file path=ppt/theme/theme1.xml><?xml version="1.0" encoding="utf-8"?>
+<file path=ppt/theme/theme2.xml><?xml version="1.0" encoding="utf-8"?>
 <a:theme xmlns:a="http://schemas.openxmlformats.org/drawingml/2006/main" xmlns:r="http://schemas.openxmlformats.org/officeDocument/2006/relationships">
   <a:themeElements>
     <a:clrScheme name="Default">
@@ -12093,283 +13328,4 @@
     </a:fmtScheme>
   </a:themeElements>
 </a:theme>
-</file>
-
-<file path=ppt/theme/theme2.xml><?xml version="1.0" encoding="utf-8"?>
-<a:theme xmlns:a="http://schemas.openxmlformats.org/drawingml/2006/main" xmlns:r="http://schemas.openxmlformats.org/officeDocument/2006/relationships" name="Streamline">
-  <a:themeElements>
-    <a:clrScheme name="Streamline">
-      <a:dk1>
-        <a:srgbClr val="1A9988"/>
-      </a:dk1>
-      <a:lt1>
-        <a:srgbClr val="FFFFFF"/>
-      </a:lt1>
-      <a:dk2>
-        <a:srgbClr val="1A1A1A"/>
-      </a:dk2>
-      <a:lt2>
-        <a:srgbClr val="E9EDEE"/>
-      </a:lt2>
-      <a:accent1>
-        <a:srgbClr val="595959"/>
-      </a:accent1>
-      <a:accent2>
-        <a:srgbClr val="6AA4C8"/>
-      </a:accent2>
-      <a:accent3>
-        <a:srgbClr val="EB5600"/>
-      </a:accent3>
-      <a:accent4>
-        <a:srgbClr val="A2FFE8"/>
-      </a:accent4>
-      <a:accent5>
-        <a:srgbClr val="1C3678"/>
-      </a:accent5>
-      <a:accent6>
-        <a:srgbClr val="FFB8A2"/>
-      </a:accent6>
-      <a:hlink>
-        <a:srgbClr val="1C3678"/>
-      </a:hlink>
-      <a:folHlink>
-        <a:srgbClr val="1C3678"/>
-      </a:folHlink>
-    </a:clrScheme>
-    <a:fontScheme name="Office">
-      <a:majorFont>
-        <a:latin typeface="Arial"/>
-        <a:ea typeface=""/>
-        <a:cs typeface=""/>
-        <a:font script="Jpan" typeface="ＭＳ Ｐゴシック"/>
-        <a:font script="Hang" typeface="맑은 고딕"/>
-        <a:font script="Hans" typeface="宋体"/>
-        <a:font script="Hant" typeface="新細明體"/>
-        <a:font script="Arab" typeface="Times New Roman"/>
-        <a:font script="Hebr" typeface="Times New Roman"/>
-        <a:font script="Thai" typeface="Angsana New"/>
-        <a:font script="Ethi" typeface="Nyala"/>
-        <a:font script="Beng" typeface="Vrinda"/>
-        <a:font script="Gujr" typeface="Shruti"/>
-        <a:font script="Khmr" typeface="MoolBoran"/>
-        <a:font script="Knda" typeface="Tunga"/>
-        <a:font script="Guru" typeface="Raavi"/>
-        <a:font script="Cans" typeface="Euphemia"/>
-        <a:font script="Cher" typeface="Plantagenet Cherokee"/>
-        <a:font script="Yiii" typeface="Microsoft Yi Baiti"/>
-        <a:font script="Tibt" typeface="Microsoft Himalaya"/>
-        <a:font script="Thaa" typeface="MV Boli"/>
-        <a:font script="Deva" typeface="Mangal"/>
-        <a:font script="Telu" typeface="Gautami"/>
-        <a:font script="Taml" typeface="Latha"/>
-        <a:font script="Syrc" typeface="Estrangelo Edessa"/>
-        <a:font script="Orya" typeface="Kalinga"/>
-        <a:font script="Mlym" typeface="Kartika"/>
-        <a:font script="Laoo" typeface="DokChampa"/>
-        <a:font script="Sinh" typeface="Iskoola Pota"/>
-        <a:font script="Mong" typeface="Mongolian Baiti"/>
-        <a:font script="Viet" typeface="Times New Roman"/>
-        <a:font script="Uigh" typeface="Microsoft Uighur"/>
-        <a:font script="Geor" typeface="Sylfaen"/>
-      </a:majorFont>
-      <a:minorFont>
-        <a:latin typeface="Arial"/>
-        <a:ea typeface=""/>
-        <a:cs typeface=""/>
-        <a:font script="Jpan" typeface="ＭＳ Ｐゴシック"/>
-        <a:font script="Hang" typeface="맑은 고딕"/>
-        <a:font script="Hans" typeface="宋体"/>
-        <a:font script="Hant" typeface="新細明體"/>
-        <a:font script="Arab" typeface="Arial"/>
-        <a:font script="Hebr" typeface="Arial"/>
-        <a:font script="Thai" typeface="Cordia New"/>
-        <a:font script="Ethi" typeface="Nyala"/>
-        <a:font script="Beng" typeface="Vrinda"/>
-        <a:font script="Gujr" typeface="Shruti"/>
-        <a:font script="Khmr" typeface="DaunPenh"/>
-        <a:font script="Knda" typeface="Tunga"/>
-        <a:font script="Guru" typeface="Raavi"/>
-        <a:font script="Cans" typeface="Euphemia"/>
-        <a:font script="Cher" typeface="Plantagenet Cherokee"/>
-        <a:font script="Yiii" typeface="Microsoft Yi Baiti"/>
-        <a:font script="Tibt" typeface="Microsoft Himalaya"/>
-        <a:font script="Thaa" typeface="MV Boli"/>
-        <a:font script="Deva" typeface="Mangal"/>
-        <a:font script="Telu" typeface="Gautami"/>
-        <a:font script="Taml" typeface="Latha"/>
-        <a:font script="Syrc" typeface="Estrangelo Edessa"/>
-        <a:font script="Orya" typeface="Kalinga"/>
-        <a:font script="Mlym" typeface="Kartika"/>
-        <a:font script="Laoo" typeface="DokChampa"/>
-        <a:font script="Sinh" typeface="Iskoola Pota"/>
-        <a:font script="Mong" typeface="Mongolian Baiti"/>
-        <a:font script="Viet" typeface="Arial"/>
-        <a:font script="Uigh" typeface="Microsoft Uighur"/>
-        <a:font script="Geor" typeface="Sylfaen"/>
-      </a:minorFont>
-    </a:fontScheme>
-    <a:fmtScheme name="Office">
-      <a:fillStyleLst>
-        <a:solidFill>
-          <a:schemeClr val="phClr"/>
-        </a:solidFill>
-        <a:gradFill rotWithShape="1">
-          <a:gsLst>
-            <a:gs pos="0">
-              <a:schemeClr val="phClr">
-                <a:tint val="50000"/>
-                <a:satMod val="300000"/>
-              </a:schemeClr>
-            </a:gs>
-            <a:gs pos="35000">
-              <a:schemeClr val="phClr">
-                <a:tint val="37000"/>
-                <a:satMod val="300000"/>
-              </a:schemeClr>
-            </a:gs>
-            <a:gs pos="100000">
-              <a:schemeClr val="phClr">
-                <a:tint val="15000"/>
-                <a:satMod val="350000"/>
-              </a:schemeClr>
-            </a:gs>
-          </a:gsLst>
-          <a:lin ang="16200000" scaled="1"/>
-        </a:gradFill>
-        <a:gradFill rotWithShape="1">
-          <a:gsLst>
-            <a:gs pos="0">
-              <a:schemeClr val="phClr">
-                <a:tint val="100000"/>
-                <a:shade val="100000"/>
-                <a:satMod val="130000"/>
-              </a:schemeClr>
-            </a:gs>
-            <a:gs pos="100000">
-              <a:schemeClr val="phClr">
-                <a:tint val="50000"/>
-                <a:shade val="100000"/>
-                <a:satMod val="350000"/>
-              </a:schemeClr>
-            </a:gs>
-          </a:gsLst>
-          <a:lin ang="16200000" scaled="0"/>
-        </a:gradFill>
-      </a:fillStyleLst>
-      <a:lnStyleLst>
-        <a:ln w="9525" cap="flat" cmpd="sng" algn="ctr">
-          <a:solidFill>
-            <a:schemeClr val="phClr">
-              <a:shade val="95000"/>
-              <a:satMod val="105000"/>
-            </a:schemeClr>
-          </a:solidFill>
-          <a:prstDash val="solid"/>
-        </a:ln>
-        <a:ln w="25400" cap="flat" cmpd="sng" algn="ctr">
-          <a:solidFill>
-            <a:schemeClr val="phClr"/>
-          </a:solidFill>
-          <a:prstDash val="solid"/>
-        </a:ln>
-        <a:ln w="38100" cap="flat" cmpd="sng" algn="ctr">
-          <a:solidFill>
-            <a:schemeClr val="phClr"/>
-          </a:solidFill>
-          <a:prstDash val="solid"/>
-        </a:ln>
-      </a:lnStyleLst>
-      <a:effectStyleLst>
-        <a:effectStyle>
-          <a:effectLst>
-            <a:outerShdw blurRad="40000" dist="20000" dir="5400000" rotWithShape="0">
-              <a:srgbClr val="000000">
-                <a:alpha val="38000"/>
-              </a:srgbClr>
-            </a:outerShdw>
-          </a:effectLst>
-        </a:effectStyle>
-        <a:effectStyle>
-          <a:effectLst>
-            <a:outerShdw blurRad="40000" dist="23000" dir="5400000" rotWithShape="0">
-              <a:srgbClr val="000000">
-                <a:alpha val="35000"/>
-              </a:srgbClr>
-            </a:outerShdw>
-          </a:effectLst>
-        </a:effectStyle>
-        <a:effectStyle>
-          <a:effectLst>
-            <a:outerShdw blurRad="40000" dist="23000" dir="5400000" rotWithShape="0">
-              <a:srgbClr val="000000">
-                <a:alpha val="35000"/>
-              </a:srgbClr>
-            </a:outerShdw>
-          </a:effectLst>
-          <a:scene3d>
-            <a:camera prst="orthographicFront">
-              <a:rot lat="0" lon="0" rev="0"/>
-            </a:camera>
-            <a:lightRig rig="threePt" dir="t">
-              <a:rot lat="0" lon="0" rev="1200000"/>
-            </a:lightRig>
-          </a:scene3d>
-          <a:sp3d>
-            <a:bevelT w="63500" h="25400"/>
-          </a:sp3d>
-        </a:effectStyle>
-      </a:effectStyleLst>
-      <a:bgFillStyleLst>
-        <a:solidFill>
-          <a:schemeClr val="phClr"/>
-        </a:solidFill>
-        <a:gradFill rotWithShape="1">
-          <a:gsLst>
-            <a:gs pos="0">
-              <a:schemeClr val="phClr">
-                <a:tint val="40000"/>
-                <a:satMod val="350000"/>
-              </a:schemeClr>
-            </a:gs>
-            <a:gs pos="40000">
-              <a:schemeClr val="phClr">
-                <a:tint val="45000"/>
-                <a:shade val="99000"/>
-                <a:satMod val="350000"/>
-              </a:schemeClr>
-            </a:gs>
-            <a:gs pos="100000">
-              <a:schemeClr val="phClr">
-                <a:shade val="20000"/>
-                <a:satMod val="255000"/>
-              </a:schemeClr>
-            </a:gs>
-          </a:gsLst>
-          <a:path path="circle">
-            <a:fillToRect l="50000" t="-80000" r="50000" b="180000"/>
-          </a:path>
-        </a:gradFill>
-        <a:gradFill rotWithShape="1">
-          <a:gsLst>
-            <a:gs pos="0">
-              <a:schemeClr val="phClr">
-                <a:tint val="80000"/>
-                <a:satMod val="300000"/>
-              </a:schemeClr>
-            </a:gs>
-            <a:gs pos="100000">
-              <a:schemeClr val="phClr">
-                <a:shade val="30000"/>
-                <a:satMod val="200000"/>
-              </a:schemeClr>
-            </a:gs>
-          </a:gsLst>
-          <a:path path="circle">
-            <a:fillToRect l="50000" t="50000" r="50000" b="50000"/>
-          </a:path>
-        </a:gradFill>
-      </a:bgFillStyleLst>
-    </a:fmtScheme>
-  </a:themeElements>
-</a:theme>
 </file>